--- a/documentation.pptx
+++ b/documentation.pptx
@@ -5,7 +5,16 @@
     <p:sldMasterId id="2147483648" r:id="rId1"/>
   </p:sldMasterIdLst>
   <p:sldIdLst>
-    <p:sldId id="256" r:id="rId2"/>
+    <p:sldId id="257" r:id="rId2"/>
+    <p:sldId id="258" r:id="rId3"/>
+    <p:sldId id="259" r:id="rId4"/>
+    <p:sldId id="260" r:id="rId5"/>
+    <p:sldId id="261" r:id="rId6"/>
+    <p:sldId id="262" r:id="rId7"/>
+    <p:sldId id="263" r:id="rId8"/>
+    <p:sldId id="264" r:id="rId9"/>
+    <p:sldId id="265" r:id="rId10"/>
+    <p:sldId id="266" r:id="rId11"/>
   </p:sldIdLst>
   <p:sldSz cx="12192000" cy="6858000"/>
   <p:notesSz cx="6858000" cy="9144000"/>
@@ -104,6 +113,11 @@
       </a:defRPr>
     </a:lvl9pPr>
   </p:defaultTextStyle>
+  <p:extLst>
+    <p:ext uri="{EFAFB233-063F-42B5-8137-9DF3F51BA10A}">
+      <p15:sldGuideLst xmlns:p15="http://schemas.microsoft.com/office/powerpoint/2012/main"/>
+    </p:ext>
+  </p:extLst>
 </p:presentation>
 </file>
 
@@ -238,7 +252,7 @@
           <a:p>
             <a:fld id="{E7A4E1C0-D154-F644-B94B-4E32496DEFFD}" type="datetimeFigureOut">
               <a:rPr lang="en-US" smtClean="0"/>
-              <a:t>6/10/18</a:t>
+              <a:t>6/22/18</a:t>
             </a:fld>
             <a:endParaRPr lang="en-US"/>
           </a:p>
@@ -408,7 +422,7 @@
           <a:p>
             <a:fld id="{E7A4E1C0-D154-F644-B94B-4E32496DEFFD}" type="datetimeFigureOut">
               <a:rPr lang="en-US" smtClean="0"/>
-              <a:t>6/10/18</a:t>
+              <a:t>6/22/18</a:t>
             </a:fld>
             <a:endParaRPr lang="en-US"/>
           </a:p>
@@ -588,7 +602,7 @@
           <a:p>
             <a:fld id="{E7A4E1C0-D154-F644-B94B-4E32496DEFFD}" type="datetimeFigureOut">
               <a:rPr lang="en-US" smtClean="0"/>
-              <a:t>6/10/18</a:t>
+              <a:t>6/22/18</a:t>
             </a:fld>
             <a:endParaRPr lang="en-US"/>
           </a:p>
@@ -758,7 +772,7 @@
           <a:p>
             <a:fld id="{E7A4E1C0-D154-F644-B94B-4E32496DEFFD}" type="datetimeFigureOut">
               <a:rPr lang="en-US" smtClean="0"/>
-              <a:t>6/10/18</a:t>
+              <a:t>6/22/18</a:t>
             </a:fld>
             <a:endParaRPr lang="en-US"/>
           </a:p>
@@ -1004,7 +1018,7 @@
           <a:p>
             <a:fld id="{E7A4E1C0-D154-F644-B94B-4E32496DEFFD}" type="datetimeFigureOut">
               <a:rPr lang="en-US" smtClean="0"/>
-              <a:t>6/10/18</a:t>
+              <a:t>6/22/18</a:t>
             </a:fld>
             <a:endParaRPr lang="en-US"/>
           </a:p>
@@ -1236,7 +1250,7 @@
           <a:p>
             <a:fld id="{E7A4E1C0-D154-F644-B94B-4E32496DEFFD}" type="datetimeFigureOut">
               <a:rPr lang="en-US" smtClean="0"/>
-              <a:t>6/10/18</a:t>
+              <a:t>6/22/18</a:t>
             </a:fld>
             <a:endParaRPr lang="en-US"/>
           </a:p>
@@ -1603,7 +1617,7 @@
           <a:p>
             <a:fld id="{E7A4E1C0-D154-F644-B94B-4E32496DEFFD}" type="datetimeFigureOut">
               <a:rPr lang="en-US" smtClean="0"/>
-              <a:t>6/10/18</a:t>
+              <a:t>6/22/18</a:t>
             </a:fld>
             <a:endParaRPr lang="en-US"/>
           </a:p>
@@ -1721,7 +1735,7 @@
           <a:p>
             <a:fld id="{E7A4E1C0-D154-F644-B94B-4E32496DEFFD}" type="datetimeFigureOut">
               <a:rPr lang="en-US" smtClean="0"/>
-              <a:t>6/10/18</a:t>
+              <a:t>6/22/18</a:t>
             </a:fld>
             <a:endParaRPr lang="en-US"/>
           </a:p>
@@ -1816,7 +1830,7 @@
           <a:p>
             <a:fld id="{E7A4E1C0-D154-F644-B94B-4E32496DEFFD}" type="datetimeFigureOut">
               <a:rPr lang="en-US" smtClean="0"/>
-              <a:t>6/10/18</a:t>
+              <a:t>6/22/18</a:t>
             </a:fld>
             <a:endParaRPr lang="en-US"/>
           </a:p>
@@ -2093,7 +2107,7 @@
           <a:p>
             <a:fld id="{E7A4E1C0-D154-F644-B94B-4E32496DEFFD}" type="datetimeFigureOut">
               <a:rPr lang="en-US" smtClean="0"/>
-              <a:t>6/10/18</a:t>
+              <a:t>6/22/18</a:t>
             </a:fld>
             <a:endParaRPr lang="en-US"/>
           </a:p>
@@ -2346,7 +2360,7 @@
           <a:p>
             <a:fld id="{E7A4E1C0-D154-F644-B94B-4E32496DEFFD}" type="datetimeFigureOut">
               <a:rPr lang="en-US" smtClean="0"/>
-              <a:t>6/10/18</a:t>
+              <a:t>6/22/18</a:t>
             </a:fld>
             <a:endParaRPr lang="en-US"/>
           </a:p>
@@ -2559,7 +2573,7 @@
           <a:p>
             <a:fld id="{E7A4E1C0-D154-F644-B94B-4E32496DEFFD}" type="datetimeFigureOut">
               <a:rPr lang="en-US" smtClean="0"/>
-              <a:t>6/10/18</a:t>
+              <a:t>6/22/18</a:t>
             </a:fld>
             <a:endParaRPr lang="en-US"/>
           </a:p>
@@ -2966,14 +2980,344 @@
       </p:grpSpPr>
       <p:sp>
         <p:nvSpPr>
+          <p:cNvPr id="7" name="Rectangle 6"/>
+          <p:cNvSpPr/>
+          <p:nvPr/>
+        </p:nvSpPr>
+        <p:spPr>
+          <a:xfrm>
+            <a:off x="0" y="-1"/>
+            <a:ext cx="12192000" cy="641445"/>
+          </a:xfrm>
+          <a:prstGeom prst="rect">
+            <a:avLst/>
+          </a:prstGeom>
+          <a:solidFill>
+            <a:srgbClr val="FFC000"/>
+          </a:solidFill>
+          <a:ln>
+            <a:noFill/>
+          </a:ln>
+        </p:spPr>
+        <p:style>
+          <a:lnRef idx="2">
+            <a:schemeClr val="accent1">
+              <a:shade val="50000"/>
+            </a:schemeClr>
+          </a:lnRef>
+          <a:fillRef idx="1">
+            <a:schemeClr val="accent1"/>
+          </a:fillRef>
+          <a:effectRef idx="0">
+            <a:schemeClr val="accent1"/>
+          </a:effectRef>
+          <a:fontRef idx="minor">
+            <a:schemeClr val="lt1"/>
+          </a:fontRef>
+        </p:style>
+        <p:txBody>
+          <a:bodyPr rtlCol="0" anchor="ctr"/>
+          <a:lstStyle/>
+          <a:p>
+            <a:pPr algn="ctr"/>
+            <a:endParaRPr lang="en-US"/>
+          </a:p>
+        </p:txBody>
+      </p:sp>
+      <p:sp>
+        <p:nvSpPr>
+          <p:cNvPr id="2" name="TextBox 1"/>
+          <p:cNvSpPr txBox="1"/>
+          <p:nvPr/>
+        </p:nvSpPr>
+        <p:spPr>
+          <a:xfrm>
+            <a:off x="1882346" y="1992574"/>
+            <a:ext cx="8427307" cy="2062103"/>
+          </a:xfrm>
+          <a:prstGeom prst="rect">
+            <a:avLst/>
+          </a:prstGeom>
+          <a:noFill/>
+        </p:spPr>
+        <p:txBody>
+          <a:bodyPr wrap="none" rtlCol="0">
+            <a:spAutoFit/>
+          </a:bodyPr>
+          <a:lstStyle/>
+          <a:p>
+            <a:pPr algn="ctr"/>
+            <a:r>
+              <a:rPr lang="en-US" sz="3200" dirty="0" smtClean="0">
+                <a:latin typeface="Helvetica Light" charset="0"/>
+                <a:ea typeface="Helvetica Light" charset="0"/>
+                <a:cs typeface="Helvetica Light" charset="0"/>
+              </a:rPr>
+              <a:t>Implementing a Flow Afterburner for </a:t>
+            </a:r>
+            <a:r>
+              <a:rPr lang="en-US" sz="3200" dirty="0" err="1" smtClean="0">
+                <a:latin typeface="Helvetica Light" charset="0"/>
+                <a:ea typeface="Helvetica Light" charset="0"/>
+                <a:cs typeface="Helvetica Light" charset="0"/>
+              </a:rPr>
+              <a:t>sHIJING</a:t>
+            </a:r>
+            <a:endParaRPr lang="en-US" sz="3200" dirty="0" smtClean="0">
+              <a:latin typeface="Helvetica Light" charset="0"/>
+              <a:ea typeface="Helvetica Light" charset="0"/>
+              <a:cs typeface="Helvetica Light" charset="0"/>
+            </a:endParaRPr>
+          </a:p>
+          <a:p>
+            <a:pPr algn="ctr"/>
+            <a:endParaRPr lang="en-US" sz="3200" dirty="0">
+              <a:latin typeface="Helvetica Light" charset="0"/>
+              <a:ea typeface="Helvetica Light" charset="0"/>
+              <a:cs typeface="Helvetica Light" charset="0"/>
+            </a:endParaRPr>
+          </a:p>
+          <a:p>
+            <a:pPr algn="ctr"/>
+            <a:endParaRPr lang="en-US" sz="3200" dirty="0" smtClean="0">
+              <a:latin typeface="Helvetica Light" charset="0"/>
+              <a:ea typeface="Helvetica Light" charset="0"/>
+              <a:cs typeface="Helvetica Light" charset="0"/>
+            </a:endParaRPr>
+          </a:p>
+          <a:p>
+            <a:pPr algn="ctr"/>
+            <a:endParaRPr lang="en-US" sz="3200" dirty="0">
+              <a:latin typeface="Helvetica Light" charset="0"/>
+              <a:ea typeface="Helvetica Light" charset="0"/>
+              <a:cs typeface="Helvetica Light" charset="0"/>
+            </a:endParaRPr>
+          </a:p>
+        </p:txBody>
+      </p:sp>
+    </p:spTree>
+    <p:extLst>
+      <p:ext uri="{BB962C8B-B14F-4D97-AF65-F5344CB8AC3E}">
+        <p14:creationId xmlns:p14="http://schemas.microsoft.com/office/powerpoint/2010/main" val="387306119"/>
+      </p:ext>
+    </p:extLst>
+  </p:cSld>
+  <p:clrMapOvr>
+    <a:masterClrMapping/>
+  </p:clrMapOvr>
+  <p:timing>
+    <p:tnLst>
+      <p:par>
+        <p:cTn id="1" dur="indefinite" restart="never" nodeType="tmRoot"/>
+      </p:par>
+    </p:tnLst>
+  </p:timing>
+</p:sld>
+</file>
+
+<file path=ppt/slides/slide10.xml><?xml version="1.0" encoding="utf-8"?>
+<p:sld xmlns:a="http://schemas.openxmlformats.org/drawingml/2006/main" xmlns:r="http://schemas.openxmlformats.org/officeDocument/2006/relationships" xmlns:p="http://schemas.openxmlformats.org/presentationml/2006/main">
+  <p:cSld>
+    <p:spTree>
+      <p:nvGrpSpPr>
+        <p:cNvPr id="1" name=""/>
+        <p:cNvGrpSpPr/>
+        <p:nvPr/>
+      </p:nvGrpSpPr>
+      <p:grpSpPr>
+        <a:xfrm>
+          <a:off x="0" y="0"/>
+          <a:ext cx="0" cy="0"/>
+          <a:chOff x="0" y="0"/>
+          <a:chExt cx="0" cy="0"/>
+        </a:xfrm>
+      </p:grpSpPr>
+      <p:pic>
+        <p:nvPicPr>
+          <p:cNvPr id="2" name="Picture 1"/>
+          <p:cNvPicPr>
+            <a:picLocks noChangeAspect="1"/>
+          </p:cNvPicPr>
+          <p:nvPr/>
+        </p:nvPicPr>
+        <p:blipFill>
+          <a:blip r:embed="rId2">
+            <a:extLst>
+              <a:ext uri="{28A0092B-C50C-407E-A947-70E740481C1C}">
+                <a14:useLocalDpi xmlns:a14="http://schemas.microsoft.com/office/drawing/2010/main" val="0"/>
+              </a:ext>
+            </a:extLst>
+          </a:blip>
+          <a:stretch>
+            <a:fillRect/>
+          </a:stretch>
+        </p:blipFill>
+        <p:spPr>
+          <a:xfrm>
+            <a:off x="223404" y="847234"/>
+            <a:ext cx="2984500" cy="5854700"/>
+          </a:xfrm>
+          <a:prstGeom prst="rect">
+            <a:avLst/>
+          </a:prstGeom>
+        </p:spPr>
+      </p:pic>
+      <p:sp>
+        <p:nvSpPr>
+          <p:cNvPr id="3" name="Rectangle 2"/>
+          <p:cNvSpPr/>
+          <p:nvPr/>
+        </p:nvSpPr>
+        <p:spPr>
+          <a:xfrm>
+            <a:off x="0" y="-1"/>
+            <a:ext cx="12192000" cy="641445"/>
+          </a:xfrm>
+          <a:prstGeom prst="rect">
+            <a:avLst/>
+          </a:prstGeom>
+          <a:solidFill>
+            <a:srgbClr val="FFC000"/>
+          </a:solidFill>
+          <a:ln>
+            <a:noFill/>
+          </a:ln>
+        </p:spPr>
+        <p:style>
+          <a:lnRef idx="2">
+            <a:schemeClr val="accent1">
+              <a:shade val="50000"/>
+            </a:schemeClr>
+          </a:lnRef>
+          <a:fillRef idx="1">
+            <a:schemeClr val="accent1"/>
+          </a:fillRef>
+          <a:effectRef idx="0">
+            <a:schemeClr val="accent1"/>
+          </a:effectRef>
+          <a:fontRef idx="minor">
+            <a:schemeClr val="lt1"/>
+          </a:fontRef>
+        </p:style>
+        <p:txBody>
+          <a:bodyPr rtlCol="0" anchor="ctr"/>
+          <a:lstStyle/>
+          <a:p>
+            <a:pPr algn="ctr"/>
+            <a:endParaRPr lang="en-US"/>
+          </a:p>
+        </p:txBody>
+      </p:sp>
+      <p:sp>
+        <p:nvSpPr>
           <p:cNvPr id="4" name="TextBox 3"/>
           <p:cNvSpPr txBox="1"/>
           <p:nvPr/>
         </p:nvSpPr>
         <p:spPr>
           <a:xfrm>
-            <a:off x="879406" y="349936"/>
-            <a:ext cx="2451312" cy="461665"/>
+            <a:off x="109183" y="81463"/>
+            <a:ext cx="8817863" cy="461665"/>
+          </a:xfrm>
+          <a:prstGeom prst="rect">
+            <a:avLst/>
+          </a:prstGeom>
+          <a:noFill/>
+        </p:spPr>
+        <p:txBody>
+          <a:bodyPr wrap="none" rtlCol="0">
+            <a:spAutoFit/>
+          </a:bodyPr>
+          <a:lstStyle/>
+          <a:p>
+            <a:r>
+              <a:rPr lang="en-US" sz="2400" dirty="0" smtClean="0">
+                <a:latin typeface="Helvetica" charset="0"/>
+                <a:ea typeface="Helvetica" charset="0"/>
+                <a:cs typeface="Helvetica" charset="0"/>
+              </a:rPr>
+              <a:t>Centrality-Dependent v</a:t>
+            </a:r>
+            <a:r>
+              <a:rPr lang="en-US" sz="2400" baseline="-25000" dirty="0" smtClean="0">
+                <a:latin typeface="Helvetica" charset="0"/>
+                <a:ea typeface="Helvetica" charset="0"/>
+                <a:cs typeface="Helvetica" charset="0"/>
+              </a:rPr>
+              <a:t>2</a:t>
+            </a:r>
+            <a:r>
+              <a:rPr lang="en-US" sz="2400" dirty="0" smtClean="0">
+                <a:latin typeface="Helvetica" charset="0"/>
+                <a:ea typeface="Helvetica" charset="0"/>
+                <a:cs typeface="Helvetica" charset="0"/>
+              </a:rPr>
+              <a:t> for Identified Pions in </a:t>
+            </a:r>
+            <a:r>
+              <a:rPr lang="en-US" sz="2400" dirty="0" err="1" smtClean="0">
+                <a:latin typeface="Helvetica" charset="0"/>
+                <a:ea typeface="Helvetica" charset="0"/>
+                <a:cs typeface="Helvetica" charset="0"/>
+              </a:rPr>
+              <a:t>Au+Au</a:t>
+            </a:r>
+            <a:r>
+              <a:rPr lang="en-US" sz="2400" dirty="0" smtClean="0">
+                <a:latin typeface="Helvetica" charset="0"/>
+                <a:ea typeface="Helvetica" charset="0"/>
+                <a:cs typeface="Helvetica" charset="0"/>
+              </a:rPr>
+              <a:t> Collisions</a:t>
+            </a:r>
+            <a:endParaRPr lang="en-US" sz="2400" dirty="0">
+              <a:latin typeface="Helvetica" charset="0"/>
+              <a:ea typeface="Helvetica" charset="0"/>
+              <a:cs typeface="Helvetica" charset="0"/>
+            </a:endParaRPr>
+          </a:p>
+        </p:txBody>
+      </p:sp>
+    </p:spTree>
+    <p:extLst>
+      <p:ext uri="{BB962C8B-B14F-4D97-AF65-F5344CB8AC3E}">
+        <p14:creationId xmlns:p14="http://schemas.microsoft.com/office/powerpoint/2010/main" val="1278240699"/>
+      </p:ext>
+    </p:extLst>
+  </p:cSld>
+  <p:clrMapOvr>
+    <a:masterClrMapping/>
+  </p:clrMapOvr>
+</p:sld>
+</file>
+
+<file path=ppt/slides/slide2.xml><?xml version="1.0" encoding="utf-8"?>
+<p:sld xmlns:a="http://schemas.openxmlformats.org/drawingml/2006/main" xmlns:r="http://schemas.openxmlformats.org/officeDocument/2006/relationships" xmlns:p="http://schemas.openxmlformats.org/presentationml/2006/main">
+  <p:cSld>
+    <p:spTree>
+      <p:nvGrpSpPr>
+        <p:cNvPr id="1" name=""/>
+        <p:cNvGrpSpPr/>
+        <p:nvPr/>
+      </p:nvGrpSpPr>
+      <p:grpSpPr>
+        <a:xfrm>
+          <a:off x="0" y="0"/>
+          <a:ext cx="0" cy="0"/>
+          <a:chOff x="0" y="0"/>
+          <a:chExt cx="0" cy="0"/>
+        </a:xfrm>
+      </p:grpSpPr>
+      <p:sp>
+        <p:nvSpPr>
+          <p:cNvPr id="2" name="TextBox 1"/>
+          <p:cNvSpPr txBox="1"/>
+          <p:nvPr/>
+        </p:nvSpPr>
+        <p:spPr>
+          <a:xfrm>
+            <a:off x="1221166" y="782092"/>
+            <a:ext cx="1710725" cy="338554"/>
           </a:xfrm>
           <a:prstGeom prst="rect">
             <a:avLst/>
@@ -2995,7 +3339,7 @@
           <a:p>
             <a:pPr algn="ctr"/>
             <a:r>
-              <a:rPr lang="en-US" sz="2400" dirty="0" smtClean="0">
+              <a:rPr lang="en-US" sz="1600" dirty="0" smtClean="0">
                 <a:latin typeface="Arial" charset="0"/>
                 <a:ea typeface="Arial" charset="0"/>
                 <a:cs typeface="Arial" charset="0"/>
@@ -3003,7 +3347,7 @@
               <a:t>       </a:t>
             </a:r>
             <a:r>
-              <a:rPr lang="en-US" sz="2400" dirty="0" err="1" smtClean="0">
+              <a:rPr lang="en-US" sz="1600" dirty="0" err="1" smtClean="0">
                 <a:latin typeface="Arial" charset="0"/>
                 <a:ea typeface="Arial" charset="0"/>
                 <a:cs typeface="Arial" charset="0"/>
@@ -3011,14 +3355,14 @@
               <a:t>sHIJING</a:t>
             </a:r>
             <a:r>
-              <a:rPr lang="en-US" sz="2400" dirty="0" smtClean="0">
+              <a:rPr lang="en-US" sz="1600" dirty="0" smtClean="0">
                 <a:latin typeface="Arial" charset="0"/>
                 <a:ea typeface="Arial" charset="0"/>
                 <a:cs typeface="Arial" charset="0"/>
               </a:rPr>
               <a:t>      </a:t>
             </a:r>
-            <a:endParaRPr lang="en-US" sz="2400" dirty="0">
+            <a:endParaRPr lang="en-US" sz="1600" dirty="0">
               <a:latin typeface="Arial" charset="0"/>
               <a:ea typeface="Arial" charset="0"/>
               <a:cs typeface="Arial" charset="0"/>
@@ -3028,7 +3372,7 @@
       </p:sp>
       <p:pic>
         <p:nvPicPr>
-          <p:cNvPr id="1026" name="Picture 2" descr="mage result for file icon"/>
+          <p:cNvPr id="3" name="Picture 2" descr="mage result for file icon"/>
           <p:cNvPicPr>
             <a:picLocks noChangeAspect="1" noChangeArrowheads="1"/>
           </p:cNvPicPr>
@@ -3049,7 +3393,7 @@
         </p:blipFill>
         <p:spPr bwMode="auto">
           <a:xfrm>
-            <a:off x="1726610" y="1612137"/>
+            <a:off x="1726610" y="1851977"/>
             <a:ext cx="756902" cy="1023582"/>
           </a:xfrm>
           <a:prstGeom prst="rect">
@@ -3069,13 +3413,13 @@
       </p:pic>
       <p:cxnSp>
         <p:nvCxnSpPr>
-          <p:cNvPr id="6" name="Straight Arrow Connector 5"/>
+          <p:cNvPr id="4" name="Straight Arrow Connector 3"/>
           <p:cNvCxnSpPr/>
           <p:nvPr/>
         </p:nvCxnSpPr>
         <p:spPr>
           <a:xfrm>
-            <a:off x="2105063" y="934711"/>
+            <a:off x="2105063" y="1189541"/>
             <a:ext cx="0" cy="604442"/>
           </a:xfrm>
           <a:prstGeom prst="straightConnector1">
@@ -3105,13 +3449,13 @@
       </p:cxnSp>
       <p:sp>
         <p:nvSpPr>
-          <p:cNvPr id="7" name="TextBox 6"/>
+          <p:cNvPr id="5" name="TextBox 4"/>
           <p:cNvSpPr txBox="1"/>
           <p:nvPr/>
         </p:nvSpPr>
         <p:spPr>
           <a:xfrm>
-            <a:off x="1547857" y="2661100"/>
+            <a:off x="1547857" y="2900940"/>
             <a:ext cx="1114408" cy="461665"/>
           </a:xfrm>
           <a:prstGeom prst="rect">
@@ -3167,14 +3511,14 @@
       </p:sp>
       <p:sp>
         <p:nvSpPr>
-          <p:cNvPr id="10" name="TextBox 9"/>
+          <p:cNvPr id="6" name="TextBox 5"/>
           <p:cNvSpPr txBox="1"/>
           <p:nvPr/>
         </p:nvSpPr>
         <p:spPr>
           <a:xfrm>
-            <a:off x="883063" y="3888481"/>
-            <a:ext cx="2444002" cy="461665"/>
+            <a:off x="1260149" y="4023740"/>
+            <a:ext cx="1689823" cy="338554"/>
           </a:xfrm>
           <a:prstGeom prst="rect">
             <a:avLst/>
@@ -3196,14 +3540,14 @@
           <a:p>
             <a:pPr algn="ctr"/>
             <a:r>
-              <a:rPr lang="en-US" sz="2400" dirty="0" smtClean="0">
+              <a:rPr lang="en-US" sz="1600" dirty="0" smtClean="0">
                 <a:latin typeface="Arial" charset="0"/>
                 <a:ea typeface="Arial" charset="0"/>
                 <a:cs typeface="Arial" charset="0"/>
               </a:rPr>
               <a:t>Flow Afterburner</a:t>
             </a:r>
-            <a:endParaRPr lang="en-US" sz="2400" dirty="0">
+            <a:endParaRPr lang="en-US" sz="1600" dirty="0">
               <a:latin typeface="Arial" charset="0"/>
               <a:ea typeface="Arial" charset="0"/>
               <a:cs typeface="Arial" charset="0"/>
@@ -3213,13 +3557,13 @@
       </p:sp>
       <p:cxnSp>
         <p:nvCxnSpPr>
-          <p:cNvPr id="351" name="Straight Arrow Connector 350"/>
+          <p:cNvPr id="7" name="Straight Arrow Connector 6"/>
           <p:cNvCxnSpPr/>
           <p:nvPr/>
         </p:nvCxnSpPr>
         <p:spPr>
           <a:xfrm>
-            <a:off x="2076529" y="3143391"/>
+            <a:off x="2076529" y="3383231"/>
             <a:ext cx="0" cy="604442"/>
           </a:xfrm>
           <a:prstGeom prst="straightConnector1">
@@ -3249,7 +3593,7 @@
       </p:cxnSp>
       <p:pic>
         <p:nvPicPr>
-          <p:cNvPr id="353" name="Picture 2" descr="mage result for file icon"/>
+          <p:cNvPr id="8" name="Picture 2" descr="mage result for file icon"/>
           <p:cNvPicPr>
             <a:picLocks noChangeAspect="1" noChangeArrowheads="1"/>
           </p:cNvPicPr>
@@ -3297,7 +3641,7 @@
       </p:pic>
       <p:sp>
         <p:nvSpPr>
-          <p:cNvPr id="354" name="TextBox 353"/>
+          <p:cNvPr id="9" name="TextBox 8"/>
           <p:cNvSpPr txBox="1"/>
           <p:nvPr/>
         </p:nvSpPr>
@@ -3367,7 +3711,7 @@
       </p:sp>
       <p:cxnSp>
         <p:nvCxnSpPr>
-          <p:cNvPr id="355" name="Straight Arrow Connector 354"/>
+          <p:cNvPr id="10" name="Straight Arrow Connector 9"/>
           <p:cNvCxnSpPr/>
           <p:nvPr/>
         </p:nvCxnSpPr>
@@ -3403,7 +3747,7 @@
       </p:cxnSp>
       <p:pic>
         <p:nvPicPr>
-          <p:cNvPr id="1247" name="Picture 1246"/>
+          <p:cNvPr id="11" name="Picture 10"/>
           <p:cNvPicPr>
             <a:picLocks noChangeAspect="1"/>
           </p:cNvPicPr>
@@ -3417,7 +3761,7 @@
         </p:blipFill>
         <p:spPr>
           <a:xfrm>
-            <a:off x="2784657" y="1425483"/>
+            <a:off x="2784657" y="1665323"/>
             <a:ext cx="1744563" cy="1640410"/>
           </a:xfrm>
           <a:prstGeom prst="rect">
@@ -3427,7 +3771,7 @@
       </p:pic>
       <p:pic>
         <p:nvPicPr>
-          <p:cNvPr id="320" name="Picture 319"/>
+          <p:cNvPr id="12" name="Picture 11"/>
           <p:cNvPicPr>
             <a:picLocks noChangeAspect="1"/>
           </p:cNvPicPr>
@@ -3451,14 +3795,60 @@
       </p:pic>
       <p:sp>
         <p:nvSpPr>
-          <p:cNvPr id="321" name="TextBox 320"/>
+          <p:cNvPr id="13" name="Rectangle 12"/>
+          <p:cNvSpPr/>
+          <p:nvPr/>
+        </p:nvSpPr>
+        <p:spPr>
+          <a:xfrm>
+            <a:off x="0" y="-1"/>
+            <a:ext cx="12192000" cy="641445"/>
+          </a:xfrm>
+          <a:prstGeom prst="rect">
+            <a:avLst/>
+          </a:prstGeom>
+          <a:solidFill>
+            <a:srgbClr val="FFC000"/>
+          </a:solidFill>
+          <a:ln>
+            <a:noFill/>
+          </a:ln>
+        </p:spPr>
+        <p:style>
+          <a:lnRef idx="2">
+            <a:schemeClr val="accent1">
+              <a:shade val="50000"/>
+            </a:schemeClr>
+          </a:lnRef>
+          <a:fillRef idx="1">
+            <a:schemeClr val="accent1"/>
+          </a:fillRef>
+          <a:effectRef idx="0">
+            <a:schemeClr val="accent1"/>
+          </a:effectRef>
+          <a:fontRef idx="minor">
+            <a:schemeClr val="lt1"/>
+          </a:fontRef>
+        </p:style>
+        <p:txBody>
+          <a:bodyPr rtlCol="0" anchor="ctr"/>
+          <a:lstStyle/>
+          <a:p>
+            <a:pPr algn="ctr"/>
+            <a:endParaRPr lang="en-US"/>
+          </a:p>
+        </p:txBody>
+      </p:sp>
+      <p:sp>
+        <p:nvSpPr>
+          <p:cNvPr id="14" name="TextBox 13"/>
           <p:cNvSpPr txBox="1"/>
           <p:nvPr/>
         </p:nvSpPr>
         <p:spPr>
           <a:xfrm>
-            <a:off x="5537171" y="1737452"/>
-            <a:ext cx="5846472" cy="3693319"/>
+            <a:off x="109183" y="81463"/>
+            <a:ext cx="3776996" cy="461665"/>
           </a:xfrm>
           <a:prstGeom prst="rect">
             <a:avLst/>
@@ -3471,32 +3861,132 @@
           </a:bodyPr>
           <a:lstStyle/>
           <a:p>
+            <a:r>
+              <a:rPr lang="en-US" sz="2400" dirty="0" smtClean="0">
+                <a:latin typeface="Helvetica" charset="0"/>
+                <a:ea typeface="Helvetica" charset="0"/>
+                <a:cs typeface="Helvetica" charset="0"/>
+              </a:rPr>
+              <a:t>Statement of the Problem</a:t>
+            </a:r>
+            <a:endParaRPr lang="en-US" sz="2400" dirty="0">
+              <a:latin typeface="Helvetica" charset="0"/>
+              <a:ea typeface="Helvetica" charset="0"/>
+              <a:cs typeface="Helvetica" charset="0"/>
+            </a:endParaRPr>
+          </a:p>
+        </p:txBody>
+      </p:sp>
+      <p:sp>
+        <p:nvSpPr>
+          <p:cNvPr id="15" name="TextBox 14"/>
+          <p:cNvSpPr txBox="1"/>
+          <p:nvPr/>
+        </p:nvSpPr>
+        <p:spPr>
+          <a:xfrm>
+            <a:off x="5208813" y="2090569"/>
+            <a:ext cx="6295313" cy="2585323"/>
+          </a:xfrm>
+          <a:prstGeom prst="rect">
+            <a:avLst/>
+          </a:prstGeom>
+          <a:noFill/>
+        </p:spPr>
+        <p:txBody>
+          <a:bodyPr wrap="none" rtlCol="0">
+            <a:spAutoFit/>
+          </a:bodyPr>
+          <a:lstStyle/>
+          <a:p>
             <a:pPr marL="285750" indent="-285750">
               <a:buFont typeface="Arial" charset="0"/>
               <a:buChar char="•"/>
             </a:pPr>
             <a:r>
               <a:rPr lang="en-US" dirty="0" smtClean="0">
-                <a:latin typeface="Arial" charset="0"/>
-                <a:ea typeface="Arial" charset="0"/>
-                <a:cs typeface="Arial" charset="0"/>
-              </a:rPr>
-              <a:t>HIJING final-state particles have no collective</a:t>
+                <a:latin typeface="Helvetica Light" charset="0"/>
+                <a:ea typeface="Helvetica Light" charset="0"/>
+                <a:cs typeface="Helvetica Light" charset="0"/>
+              </a:rPr>
+              <a:t>We want to write an afterburner that takes </a:t>
+            </a:r>
+            <a:r>
+              <a:rPr lang="en-US" dirty="0" err="1" smtClean="0">
+                <a:latin typeface="Helvetica Light" charset="0"/>
+                <a:ea typeface="Helvetica Light" charset="0"/>
+                <a:cs typeface="Helvetica Light" charset="0"/>
+              </a:rPr>
+              <a:t>sHIJING</a:t>
+            </a:r>
+            <a:r>
+              <a:rPr lang="en-US" dirty="0" smtClean="0">
+                <a:latin typeface="Helvetica Light" charset="0"/>
+                <a:ea typeface="Helvetica Light" charset="0"/>
+                <a:cs typeface="Helvetica Light" charset="0"/>
+              </a:rPr>
+              <a:t/>
             </a:r>
             <a:br>
               <a:rPr lang="en-US" dirty="0" smtClean="0">
-                <a:latin typeface="Arial" charset="0"/>
-                <a:ea typeface="Arial" charset="0"/>
-                <a:cs typeface="Arial" charset="0"/>
+                <a:latin typeface="Helvetica Light" charset="0"/>
+                <a:ea typeface="Helvetica Light" charset="0"/>
+                <a:cs typeface="Helvetica Light" charset="0"/>
               </a:rPr>
             </a:br>
             <a:r>
               <a:rPr lang="en-US" dirty="0" smtClean="0">
-                <a:latin typeface="Arial" charset="0"/>
-                <a:ea typeface="Arial" charset="0"/>
-                <a:cs typeface="Arial" charset="0"/>
-              </a:rPr>
-              <a:t>azimuthal anisotropy.</a:t>
+                <a:latin typeface="Helvetica Light" charset="0"/>
+                <a:ea typeface="Helvetica Light" charset="0"/>
+                <a:cs typeface="Helvetica Light" charset="0"/>
+              </a:rPr>
+              <a:t>output, in the form of a </a:t>
+            </a:r>
+            <a:r>
+              <a:rPr lang="en-US" dirty="0" err="1" smtClean="0">
+                <a:latin typeface="Helvetica Light" charset="0"/>
+                <a:ea typeface="Helvetica Light" charset="0"/>
+                <a:cs typeface="Helvetica Light" charset="0"/>
+              </a:rPr>
+              <a:t>HepMC</a:t>
+            </a:r>
+            <a:r>
+              <a:rPr lang="en-US" dirty="0" smtClean="0">
+                <a:latin typeface="Helvetica Light" charset="0"/>
+                <a:ea typeface="Helvetica Light" charset="0"/>
+                <a:cs typeface="Helvetica Light" charset="0"/>
+              </a:rPr>
+              <a:t> text file, and modifies</a:t>
+            </a:r>
+            <a:br>
+              <a:rPr lang="en-US" dirty="0" smtClean="0">
+                <a:latin typeface="Helvetica Light" charset="0"/>
+                <a:ea typeface="Helvetica Light" charset="0"/>
+                <a:cs typeface="Helvetica Light" charset="0"/>
+              </a:rPr>
+            </a:br>
+            <a:r>
+              <a:rPr lang="en-US" dirty="0" smtClean="0">
+                <a:latin typeface="Helvetica Light" charset="0"/>
+                <a:ea typeface="Helvetica Light" charset="0"/>
+                <a:cs typeface="Helvetica Light" charset="0"/>
+              </a:rPr>
+              <a:t>the uniform azimuthal distribution of particles to have</a:t>
+            </a:r>
+            <a:br>
+              <a:rPr lang="en-US" dirty="0" smtClean="0">
+                <a:latin typeface="Helvetica Light" charset="0"/>
+                <a:ea typeface="Helvetica Light" charset="0"/>
+                <a:cs typeface="Helvetica Light" charset="0"/>
+              </a:rPr>
+            </a:br>
+            <a:r>
+              <a:rPr lang="en-US" dirty="0" smtClean="0">
+                <a:latin typeface="Helvetica Light" charset="0"/>
+                <a:ea typeface="Helvetica Light" charset="0"/>
+                <a:cs typeface="Helvetica Light" charset="0"/>
+              </a:rPr>
+              <a:t>flow modulations.</a:t>
             </a:r>
           </a:p>
           <a:p>
@@ -3505,9 +3995,9 @@
               <a:buChar char="•"/>
             </a:pPr>
             <a:endParaRPr lang="en-US" dirty="0">
-              <a:latin typeface="Arial" charset="0"/>
-              <a:ea typeface="Arial" charset="0"/>
-              <a:cs typeface="Arial" charset="0"/>
+              <a:latin typeface="Helvetica Light" charset="0"/>
+              <a:ea typeface="Helvetica Light" charset="0"/>
+              <a:cs typeface="Helvetica Light" charset="0"/>
             </a:endParaRPr>
           </a:p>
           <a:p>
@@ -3517,121 +4007,42 @@
             </a:pPr>
             <a:r>
               <a:rPr lang="en-US" dirty="0" smtClean="0">
-                <a:latin typeface="Arial" charset="0"/>
-                <a:ea typeface="Arial" charset="0"/>
-                <a:cs typeface="Arial" charset="0"/>
-              </a:rPr>
-              <a:t>We are writing an afterburner that parses output </a:t>
+                <a:latin typeface="Helvetica Light" charset="0"/>
+                <a:ea typeface="Helvetica Light" charset="0"/>
+                <a:cs typeface="Helvetica Light" charset="0"/>
+              </a:rPr>
+              <a:t>This needs to be done in a </a:t>
+            </a:r>
+            <a:r>
+              <a:rPr lang="en-US" dirty="0" err="1" smtClean="0">
+                <a:latin typeface="Helvetica Light" charset="0"/>
+                <a:ea typeface="Helvetica Light" charset="0"/>
+                <a:cs typeface="Helvetica Light" charset="0"/>
+              </a:rPr>
+              <a:t>pT</a:t>
+            </a:r>
+            <a:r>
+              <a:rPr lang="en-US" dirty="0" smtClean="0">
+                <a:latin typeface="Helvetica Light" charset="0"/>
+                <a:ea typeface="Helvetica Light" charset="0"/>
+                <a:cs typeface="Helvetica Light" charset="0"/>
+              </a:rPr>
+              <a:t>- and centrality-dependent</a:t>
             </a:r>
             <a:br>
               <a:rPr lang="en-US" dirty="0" smtClean="0">
-                <a:latin typeface="Arial" charset="0"/>
-                <a:ea typeface="Arial" charset="0"/>
-                <a:cs typeface="Arial" charset="0"/>
+                <a:latin typeface="Helvetica Light" charset="0"/>
+                <a:ea typeface="Helvetica Light" charset="0"/>
+                <a:cs typeface="Helvetica Light" charset="0"/>
               </a:rPr>
             </a:br>
             <a:r>
               <a:rPr lang="en-US" dirty="0" smtClean="0">
-                <a:latin typeface="Arial" charset="0"/>
-                <a:ea typeface="Arial" charset="0"/>
-                <a:cs typeface="Arial" charset="0"/>
-              </a:rPr>
-              <a:t>from</a:t>
-            </a:r>
-            <a:r>
-              <a:rPr lang="en-US" dirty="0">
-                <a:latin typeface="Arial" charset="0"/>
-                <a:ea typeface="Arial" charset="0"/>
-                <a:cs typeface="Arial" charset="0"/>
-              </a:rPr>
-              <a:t> </a:t>
-            </a:r>
-            <a:r>
-              <a:rPr lang="en-US" dirty="0" err="1" smtClean="0">
-                <a:latin typeface="Arial" charset="0"/>
-                <a:ea typeface="Arial" charset="0"/>
-                <a:cs typeface="Arial" charset="0"/>
-              </a:rPr>
-              <a:t>sHIJING</a:t>
-            </a:r>
-            <a:r>
-              <a:rPr lang="en-US" dirty="0" smtClean="0">
-                <a:latin typeface="Arial" charset="0"/>
-                <a:ea typeface="Arial" charset="0"/>
-                <a:cs typeface="Arial" charset="0"/>
-              </a:rPr>
-              <a:t>, adding flow modulations based on </a:t>
-            </a:r>
-            <a:br>
-              <a:rPr lang="en-US" dirty="0" smtClean="0">
-                <a:latin typeface="Arial" charset="0"/>
-                <a:ea typeface="Arial" charset="0"/>
-                <a:cs typeface="Arial" charset="0"/>
-              </a:rPr>
-            </a:br>
-            <a:r>
-              <a:rPr lang="en-US" b="1" dirty="0" smtClean="0">
-                <a:latin typeface="Arial" charset="0"/>
-                <a:ea typeface="Arial" charset="0"/>
-                <a:cs typeface="Arial" charset="0"/>
-              </a:rPr>
-              <a:t>track</a:t>
-            </a:r>
-            <a:r>
-              <a:rPr lang="en-US" b="1" dirty="0">
-                <a:latin typeface="Arial" charset="0"/>
-                <a:ea typeface="Arial" charset="0"/>
-                <a:cs typeface="Arial" charset="0"/>
-              </a:rPr>
-              <a:t> </a:t>
-            </a:r>
-            <a:r>
-              <a:rPr lang="en-US" b="1" dirty="0" err="1" smtClean="0">
-                <a:latin typeface="Arial" charset="0"/>
-                <a:ea typeface="Arial" charset="0"/>
-                <a:cs typeface="Arial" charset="0"/>
-              </a:rPr>
-              <a:t>p</a:t>
-            </a:r>
-            <a:r>
-              <a:rPr lang="en-US" b="1" baseline="-25000" dirty="0" err="1" smtClean="0">
-                <a:latin typeface="Arial" charset="0"/>
-                <a:ea typeface="Arial" charset="0"/>
-                <a:cs typeface="Arial" charset="0"/>
-              </a:rPr>
-              <a:t>T</a:t>
-            </a:r>
-            <a:r>
-              <a:rPr lang="en-US" b="1" dirty="0" smtClean="0">
-                <a:latin typeface="Arial" charset="0"/>
-                <a:ea typeface="Arial" charset="0"/>
-                <a:cs typeface="Arial" charset="0"/>
-              </a:rPr>
-              <a:t> </a:t>
-            </a:r>
-            <a:r>
-              <a:rPr lang="en-US" dirty="0" smtClean="0">
-                <a:latin typeface="Arial" charset="0"/>
-                <a:ea typeface="Arial" charset="0"/>
-                <a:cs typeface="Arial" charset="0"/>
-              </a:rPr>
-              <a:t>and </a:t>
-            </a:r>
-            <a:r>
-              <a:rPr lang="en-US" b="1" dirty="0" smtClean="0">
-                <a:latin typeface="Arial" charset="0"/>
-                <a:ea typeface="Arial" charset="0"/>
-                <a:cs typeface="Arial" charset="0"/>
-              </a:rPr>
-              <a:t>event centrality</a:t>
-            </a:r>
-            <a:r>
-              <a:rPr lang="en-US" dirty="0" smtClean="0">
-                <a:latin typeface="Arial" charset="0"/>
-                <a:ea typeface="Arial" charset="0"/>
-                <a:cs typeface="Arial" charset="0"/>
-              </a:rPr>
-              <a:t>.</a:t>
+                <a:latin typeface="Helvetica Light" charset="0"/>
+                <a:ea typeface="Helvetica Light" charset="0"/>
+                <a:cs typeface="Helvetica Light" charset="0"/>
+              </a:rPr>
+              <a:t>manner.</a:t>
             </a:r>
           </a:p>
           <a:p>
@@ -3640,9 +4051,9 @@
               <a:buChar char="•"/>
             </a:pPr>
             <a:endParaRPr lang="en-US" dirty="0">
-              <a:latin typeface="Arial" charset="0"/>
-              <a:ea typeface="Arial" charset="0"/>
-              <a:cs typeface="Arial" charset="0"/>
+              <a:latin typeface="Helvetica Light" charset="0"/>
+              <a:ea typeface="Helvetica Light" charset="0"/>
+              <a:cs typeface="Helvetica Light" charset="0"/>
             </a:endParaRPr>
           </a:p>
           <a:p>
@@ -3652,196 +4063,106 @@
             </a:pPr>
             <a:r>
               <a:rPr lang="en-US" dirty="0" smtClean="0">
-                <a:latin typeface="Arial" charset="0"/>
-                <a:ea typeface="Arial" charset="0"/>
-                <a:cs typeface="Arial" charset="0"/>
-              </a:rPr>
-              <a:t>The modulator uses published, centrality-dependent </a:t>
-            </a:r>
-            <a:br>
-              <a:rPr lang="en-US" dirty="0" smtClean="0">
-                <a:latin typeface="Arial" charset="0"/>
-                <a:ea typeface="Arial" charset="0"/>
-                <a:cs typeface="Arial" charset="0"/>
-              </a:rPr>
-            </a:br>
-            <a:r>
-              <a:rPr lang="en-US" dirty="0" smtClean="0">
-                <a:latin typeface="Arial" charset="0"/>
-                <a:ea typeface="Arial" charset="0"/>
-                <a:cs typeface="Arial" charset="0"/>
-              </a:rPr>
-              <a:t>pion v</a:t>
-            </a:r>
-            <a:r>
-              <a:rPr lang="en-US" baseline="-25000" dirty="0" smtClean="0">
-                <a:latin typeface="Arial" charset="0"/>
-                <a:ea typeface="Arial" charset="0"/>
-                <a:cs typeface="Arial" charset="0"/>
-              </a:rPr>
-              <a:t>2</a:t>
-            </a:r>
-            <a:r>
-              <a:rPr lang="en-US" dirty="0" smtClean="0">
-                <a:latin typeface="Arial" charset="0"/>
-                <a:ea typeface="Arial" charset="0"/>
-                <a:cs typeface="Arial" charset="0"/>
-              </a:rPr>
-              <a:t>(</a:t>
-            </a:r>
-            <a:r>
-              <a:rPr lang="en-US" dirty="0" err="1" smtClean="0">
-                <a:latin typeface="Arial" charset="0"/>
-                <a:ea typeface="Arial" charset="0"/>
-                <a:cs typeface="Arial" charset="0"/>
-              </a:rPr>
-              <a:t>p</a:t>
-            </a:r>
-            <a:r>
-              <a:rPr lang="en-US" baseline="-25000" dirty="0" err="1" smtClean="0">
-                <a:latin typeface="Arial" charset="0"/>
-                <a:ea typeface="Arial" charset="0"/>
-                <a:cs typeface="Arial" charset="0"/>
-              </a:rPr>
-              <a:t>T</a:t>
-            </a:r>
-            <a:r>
-              <a:rPr lang="en-US" dirty="0" smtClean="0">
-                <a:latin typeface="Arial" charset="0"/>
-                <a:ea typeface="Arial" charset="0"/>
-                <a:cs typeface="Arial" charset="0"/>
-              </a:rPr>
-              <a:t>)  to modulate all charged hadron </a:t>
-            </a:r>
-            <a:br>
-              <a:rPr lang="en-US" dirty="0" smtClean="0">
-                <a:latin typeface="Arial" charset="0"/>
-                <a:ea typeface="Arial" charset="0"/>
-                <a:cs typeface="Arial" charset="0"/>
-              </a:rPr>
-            </a:br>
-            <a:r>
-              <a:rPr lang="en-US" dirty="0" smtClean="0">
-                <a:latin typeface="Arial" charset="0"/>
-                <a:ea typeface="Arial" charset="0"/>
-                <a:cs typeface="Arial" charset="0"/>
-              </a:rPr>
-              <a:t>tracks </a:t>
-            </a:r>
-            <a:r>
-              <a:rPr lang="en-US" sz="1400" dirty="0" smtClean="0">
-                <a:latin typeface="Arial" charset="0"/>
-                <a:ea typeface="Arial" charset="0"/>
-                <a:cs typeface="Arial" charset="0"/>
-              </a:rPr>
-              <a:t>[</a:t>
-            </a:r>
-            <a:r>
-              <a:rPr lang="en-US" sz="1400" dirty="0" err="1" smtClean="0">
-                <a:latin typeface="Arial" charset="0"/>
-                <a:ea typeface="Arial" charset="0"/>
-                <a:cs typeface="Arial" charset="0"/>
-              </a:rPr>
-              <a:t>arXiv</a:t>
-            </a:r>
-            <a:r>
-              <a:rPr lang="en-US" sz="1400" dirty="0" smtClean="0">
-                <a:latin typeface="Arial" charset="0"/>
-                <a:ea typeface="Arial" charset="0"/>
-                <a:cs typeface="Arial" charset="0"/>
-              </a:rPr>
-              <a:t>:</a:t>
-            </a:r>
-            <a:r>
-              <a:rPr lang="hr-HR" sz="1400" dirty="0" smtClean="0">
-                <a:latin typeface="Arial" charset="0"/>
-                <a:ea typeface="Arial" charset="0"/>
-                <a:cs typeface="Arial" charset="0"/>
-              </a:rPr>
-              <a:t>1309.4437</a:t>
-            </a:r>
-            <a:r>
-              <a:rPr lang="en-US" sz="1400" dirty="0" smtClean="0">
-                <a:latin typeface="Arial" charset="0"/>
-                <a:ea typeface="Arial" charset="0"/>
-                <a:cs typeface="Arial" charset="0"/>
-              </a:rPr>
-              <a:t>]</a:t>
-            </a:r>
-            <a:r>
-              <a:rPr lang="en-US" dirty="0" smtClean="0">
-                <a:latin typeface="Arial" charset="0"/>
-                <a:ea typeface="Arial" charset="0"/>
-                <a:cs typeface="Arial" charset="0"/>
-              </a:rPr>
-              <a:t>.</a:t>
-            </a:r>
-          </a:p>
-          <a:p>
-            <a:pPr marL="285750" indent="-285750">
-              <a:buFont typeface="Arial" charset="0"/>
-              <a:buChar char="•"/>
-            </a:pPr>
+                <a:latin typeface="Helvetica Light" charset="0"/>
+                <a:ea typeface="Helvetica Light" charset="0"/>
+                <a:cs typeface="Helvetica Light" charset="0"/>
+              </a:rPr>
+              <a:t>Local correlations (like jets) need to be preserved</a:t>
+            </a:r>
             <a:endParaRPr lang="en-US" dirty="0">
-              <a:latin typeface="Arial" charset="0"/>
-              <a:ea typeface="Arial" charset="0"/>
-              <a:cs typeface="Arial" charset="0"/>
+              <a:latin typeface="Helvetica Light" charset="0"/>
+              <a:ea typeface="Helvetica Light" charset="0"/>
+              <a:cs typeface="Helvetica Light" charset="0"/>
             </a:endParaRPr>
           </a:p>
-          <a:p>
-            <a:pPr marL="285750" indent="-285750">
-              <a:buFont typeface="Arial" charset="0"/>
-              <a:buChar char="•"/>
-            </a:pPr>
-            <a:r>
-              <a:rPr lang="en-US" dirty="0" smtClean="0">
-                <a:latin typeface="Arial" charset="0"/>
-                <a:ea typeface="Arial" charset="0"/>
-                <a:cs typeface="Arial" charset="0"/>
-              </a:rPr>
-              <a:t> A working prototype has already been implemented,</a:t>
-            </a:r>
-            <a:br>
-              <a:rPr lang="en-US" dirty="0" smtClean="0">
-                <a:latin typeface="Arial" charset="0"/>
-                <a:ea typeface="Arial" charset="0"/>
-                <a:cs typeface="Arial" charset="0"/>
-              </a:rPr>
-            </a:br>
-            <a:r>
-              <a:rPr lang="en-US" dirty="0" smtClean="0">
-                <a:latin typeface="Arial" charset="0"/>
-                <a:ea typeface="Arial" charset="0"/>
-                <a:cs typeface="Arial" charset="0"/>
-              </a:rPr>
-              <a:t>which needs </a:t>
-            </a:r>
-            <a:r>
-              <a:rPr lang="en-US" smtClean="0">
-                <a:latin typeface="Arial" charset="0"/>
-                <a:ea typeface="Arial" charset="0"/>
-                <a:cs typeface="Arial" charset="0"/>
-              </a:rPr>
-              <a:t>further testing.</a:t>
-            </a:r>
-            <a:endParaRPr lang="en-US" dirty="0">
-              <a:latin typeface="Arial" charset="0"/>
-              <a:ea typeface="Arial" charset="0"/>
-              <a:cs typeface="Arial" charset="0"/>
-            </a:endParaRPr>
-          </a:p>
-        </p:txBody>
-      </p:sp>
-      <p:sp>
-        <p:nvSpPr>
-          <p:cNvPr id="322" name="TextBox 321"/>
+        </p:txBody>
+      </p:sp>
+    </p:spTree>
+    <p:extLst>
+      <p:ext uri="{BB962C8B-B14F-4D97-AF65-F5344CB8AC3E}">
+        <p14:creationId xmlns:p14="http://schemas.microsoft.com/office/powerpoint/2010/main" val="431007976"/>
+      </p:ext>
+    </p:extLst>
+  </p:cSld>
+  <p:clrMapOvr>
+    <a:masterClrMapping/>
+  </p:clrMapOvr>
+</p:sld>
+</file>
+
+<file path=ppt/slides/slide3.xml><?xml version="1.0" encoding="utf-8"?>
+<p:sld xmlns:a="http://schemas.openxmlformats.org/drawingml/2006/main" xmlns:r="http://schemas.openxmlformats.org/officeDocument/2006/relationships" xmlns:p="http://schemas.openxmlformats.org/presentationml/2006/main">
+  <p:cSld>
+    <p:spTree>
+      <p:nvGrpSpPr>
+        <p:cNvPr id="1" name=""/>
+        <p:cNvGrpSpPr/>
+        <p:nvPr/>
+      </p:nvGrpSpPr>
+      <p:grpSpPr>
+        <a:xfrm>
+          <a:off x="0" y="0"/>
+          <a:ext cx="0" cy="0"/>
+          <a:chOff x="0" y="0"/>
+          <a:chExt cx="0" cy="0"/>
+        </a:xfrm>
+      </p:grpSpPr>
+      <p:sp>
+        <p:nvSpPr>
+          <p:cNvPr id="2" name="Rectangle 1"/>
+          <p:cNvSpPr/>
+          <p:nvPr/>
+        </p:nvSpPr>
+        <p:spPr>
+          <a:xfrm>
+            <a:off x="0" y="-1"/>
+            <a:ext cx="12192000" cy="641445"/>
+          </a:xfrm>
+          <a:prstGeom prst="rect">
+            <a:avLst/>
+          </a:prstGeom>
+          <a:solidFill>
+            <a:srgbClr val="FFC000"/>
+          </a:solidFill>
+          <a:ln>
+            <a:noFill/>
+          </a:ln>
+        </p:spPr>
+        <p:style>
+          <a:lnRef idx="2">
+            <a:schemeClr val="accent1">
+              <a:shade val="50000"/>
+            </a:schemeClr>
+          </a:lnRef>
+          <a:fillRef idx="1">
+            <a:schemeClr val="accent1"/>
+          </a:fillRef>
+          <a:effectRef idx="0">
+            <a:schemeClr val="accent1"/>
+          </a:effectRef>
+          <a:fontRef idx="minor">
+            <a:schemeClr val="lt1"/>
+          </a:fontRef>
+        </p:style>
+        <p:txBody>
+          <a:bodyPr rtlCol="0" anchor="ctr"/>
+          <a:lstStyle/>
+          <a:p>
+            <a:pPr algn="ctr"/>
+            <a:endParaRPr lang="en-US"/>
+          </a:p>
+        </p:txBody>
+      </p:sp>
+      <p:sp>
+        <p:nvSpPr>
+          <p:cNvPr id="3" name="TextBox 2"/>
           <p:cNvSpPr txBox="1"/>
           <p:nvPr/>
         </p:nvSpPr>
         <p:spPr>
           <a:xfrm>
-            <a:off x="4312355" y="193809"/>
-            <a:ext cx="7701019" cy="584775"/>
+            <a:off x="109183" y="81463"/>
+            <a:ext cx="5796780" cy="461665"/>
           </a:xfrm>
           <a:prstGeom prst="rect">
             <a:avLst/>
@@ -3855,33 +4176,368 @@
           <a:lstStyle/>
           <a:p>
             <a:r>
-              <a:rPr lang="en-US" sz="3200" b="1" dirty="0" smtClean="0">
-                <a:latin typeface="Arial" charset="0"/>
-                <a:ea typeface="Arial" charset="0"/>
-                <a:cs typeface="Arial" charset="0"/>
-              </a:rPr>
-              <a:t>Writing a Flow Afterburner for </a:t>
-            </a:r>
-            <a:r>
-              <a:rPr lang="en-US" sz="3200" b="1" dirty="0" err="1" smtClean="0">
-                <a:latin typeface="Arial" charset="0"/>
-                <a:ea typeface="Arial" charset="0"/>
-                <a:cs typeface="Arial" charset="0"/>
-              </a:rPr>
-              <a:t>sHIJING</a:t>
-            </a:r>
-            <a:endParaRPr lang="en-US" sz="3200" b="1" dirty="0">
-              <a:latin typeface="Arial" charset="0"/>
-              <a:ea typeface="Arial" charset="0"/>
-              <a:cs typeface="Arial" charset="0"/>
+              <a:rPr lang="en-US" sz="2400" dirty="0" smtClean="0">
+                <a:latin typeface="Helvetica" charset="0"/>
+                <a:ea typeface="Helvetica" charset="0"/>
+                <a:cs typeface="Helvetica" charset="0"/>
+              </a:rPr>
+              <a:t>(Mathematical) Statement of the Problem</a:t>
+            </a:r>
+            <a:endParaRPr lang="en-US" sz="2400" dirty="0">
+              <a:latin typeface="Helvetica" charset="0"/>
+              <a:ea typeface="Helvetica" charset="0"/>
+              <a:cs typeface="Helvetica" charset="0"/>
             </a:endParaRPr>
+          </a:p>
+        </p:txBody>
+      </p:sp>
+      <p:pic>
+        <p:nvPicPr>
+          <p:cNvPr id="4" name="Picture 3"/>
+          <p:cNvPicPr>
+            <a:picLocks noChangeAspect="1"/>
+          </p:cNvPicPr>
+          <p:nvPr/>
+        </p:nvPicPr>
+        <p:blipFill>
+          <a:blip r:embed="rId2"/>
+          <a:stretch>
+            <a:fillRect/>
+          </a:stretch>
+        </p:blipFill>
+        <p:spPr>
+          <a:xfrm>
+            <a:off x="906468" y="3845589"/>
+            <a:ext cx="4927811" cy="1001767"/>
+          </a:xfrm>
+          <a:prstGeom prst="rect">
+            <a:avLst/>
+          </a:prstGeom>
+        </p:spPr>
+      </p:pic>
+      <p:pic>
+        <p:nvPicPr>
+          <p:cNvPr id="5" name="Picture 4"/>
+          <p:cNvPicPr>
+            <a:picLocks noChangeAspect="1"/>
+          </p:cNvPicPr>
+          <p:nvPr/>
+        </p:nvPicPr>
+        <p:blipFill>
+          <a:blip r:embed="rId3"/>
+          <a:stretch>
+            <a:fillRect/>
+          </a:stretch>
+        </p:blipFill>
+        <p:spPr>
+          <a:xfrm>
+            <a:off x="906468" y="1857191"/>
+            <a:ext cx="2055096" cy="928108"/>
+          </a:xfrm>
+          <a:prstGeom prst="rect">
+            <a:avLst/>
+          </a:prstGeom>
+        </p:spPr>
+      </p:pic>
+      <p:sp>
+        <p:nvSpPr>
+          <p:cNvPr id="6" name="TextBox 5"/>
+          <p:cNvSpPr txBox="1"/>
+          <p:nvPr/>
+        </p:nvSpPr>
+        <p:spPr>
+          <a:xfrm>
+            <a:off x="252541" y="1255595"/>
+            <a:ext cx="10785325" cy="369332"/>
+          </a:xfrm>
+          <a:prstGeom prst="rect">
+            <a:avLst/>
+          </a:prstGeom>
+          <a:noFill/>
+        </p:spPr>
+        <p:txBody>
+          <a:bodyPr wrap="none" rtlCol="0">
+            <a:spAutoFit/>
+          </a:bodyPr>
+          <a:lstStyle/>
+          <a:p>
+            <a:r>
+              <a:rPr lang="en-US" dirty="0" smtClean="0">
+                <a:latin typeface="Helvetica Light" charset="0"/>
+                <a:ea typeface="Helvetica Light" charset="0"/>
+                <a:cs typeface="Helvetica Light" charset="0"/>
+              </a:rPr>
+              <a:t>Let the azimuthal angle </a:t>
+            </a:r>
+            <a:r>
+              <a:rPr lang="el-GR" dirty="0">
+                <a:latin typeface="Helvetica Light" charset="0"/>
+                <a:ea typeface="Helvetica Light" charset="0"/>
+                <a:cs typeface="Helvetica Light" charset="0"/>
+              </a:rPr>
+              <a:t>φ</a:t>
+            </a:r>
+            <a:r>
+              <a:rPr lang="en-US" dirty="0" smtClean="0">
+                <a:latin typeface="Helvetica Light" charset="0"/>
+                <a:ea typeface="Helvetica Light" charset="0"/>
+                <a:cs typeface="Helvetica Light" charset="0"/>
+              </a:rPr>
+              <a:t> of particles at a given </a:t>
+            </a:r>
+            <a:r>
+              <a:rPr lang="en-US" dirty="0" err="1" smtClean="0">
+                <a:latin typeface="Helvetica Light" charset="0"/>
+                <a:ea typeface="Helvetica Light" charset="0"/>
+                <a:cs typeface="Helvetica Light" charset="0"/>
+              </a:rPr>
+              <a:t>p</a:t>
+            </a:r>
+            <a:r>
+              <a:rPr lang="en-US" baseline="-25000" dirty="0" err="1" smtClean="0">
+                <a:latin typeface="Helvetica Light" charset="0"/>
+                <a:ea typeface="Helvetica Light" charset="0"/>
+                <a:cs typeface="Helvetica Light" charset="0"/>
+              </a:rPr>
+              <a:t>T</a:t>
+            </a:r>
+            <a:r>
+              <a:rPr lang="en-US" dirty="0" smtClean="0">
+                <a:latin typeface="Helvetica Light" charset="0"/>
+                <a:ea typeface="Helvetica Light" charset="0"/>
+                <a:cs typeface="Helvetica Light" charset="0"/>
+              </a:rPr>
+              <a:t> be a random variable distributed uniformly in [0, 2</a:t>
+            </a:r>
+            <a:r>
+              <a:rPr lang="el-GR" dirty="0" smtClean="0">
+                <a:latin typeface="Helvetica Light" charset="0"/>
+                <a:ea typeface="Helvetica Light" charset="0"/>
+                <a:cs typeface="Helvetica Light" charset="0"/>
+              </a:rPr>
+              <a:t>π</a:t>
+            </a:r>
+            <a:r>
+              <a:rPr lang="en-US" dirty="0" smtClean="0">
+                <a:latin typeface="Helvetica Light" charset="0"/>
+                <a:ea typeface="Helvetica Light" charset="0"/>
+                <a:cs typeface="Helvetica Light" charset="0"/>
+              </a:rPr>
+              <a:t>]</a:t>
+            </a:r>
+            <a:endParaRPr lang="en-US" dirty="0">
+              <a:latin typeface="Helvetica Light" charset="0"/>
+              <a:ea typeface="Helvetica Light" charset="0"/>
+              <a:cs typeface="Helvetica Light" charset="0"/>
+            </a:endParaRPr>
+          </a:p>
+        </p:txBody>
+      </p:sp>
+      <p:sp>
+        <p:nvSpPr>
+          <p:cNvPr id="7" name="TextBox 6"/>
+          <p:cNvSpPr txBox="1"/>
+          <p:nvPr/>
+        </p:nvSpPr>
+        <p:spPr>
+          <a:xfrm>
+            <a:off x="252541" y="3015464"/>
+            <a:ext cx="10190610" cy="369332"/>
+          </a:xfrm>
+          <a:prstGeom prst="rect">
+            <a:avLst/>
+          </a:prstGeom>
+          <a:noFill/>
+        </p:spPr>
+        <p:txBody>
+          <a:bodyPr wrap="none" rtlCol="0">
+            <a:spAutoFit/>
+          </a:bodyPr>
+          <a:lstStyle/>
+          <a:p>
+            <a:r>
+              <a:rPr lang="en-US" dirty="0" smtClean="0">
+                <a:latin typeface="Helvetica Light" charset="0"/>
+                <a:ea typeface="Helvetica Light" charset="0"/>
+                <a:cs typeface="Helvetica Light" charset="0"/>
+              </a:rPr>
+              <a:t>We want to find a </a:t>
+            </a:r>
+            <a:r>
+              <a:rPr lang="en-US" b="1" dirty="0" smtClean="0">
+                <a:latin typeface="Helvetica Light" charset="0"/>
+                <a:ea typeface="Helvetica Light" charset="0"/>
+                <a:cs typeface="Helvetica Light" charset="0"/>
+              </a:rPr>
+              <a:t>mapping</a:t>
+            </a:r>
+            <a:r>
+              <a:rPr lang="en-US" dirty="0" smtClean="0">
+                <a:latin typeface="Helvetica Light" charset="0"/>
+                <a:ea typeface="Helvetica Light" charset="0"/>
+                <a:cs typeface="Helvetica Light" charset="0"/>
+              </a:rPr>
+              <a:t> </a:t>
+            </a:r>
+            <a:r>
+              <a:rPr lang="en-US" i="1" dirty="0" smtClean="0">
+                <a:solidFill>
+                  <a:srgbClr val="0432FF"/>
+                </a:solidFill>
+                <a:latin typeface="Helvetica Light" charset="0"/>
+                <a:ea typeface="Helvetica Light" charset="0"/>
+                <a:cs typeface="Helvetica Light" charset="0"/>
+              </a:rPr>
+              <a:t>y </a:t>
+            </a:r>
+            <a:r>
+              <a:rPr lang="en-US" dirty="0" smtClean="0">
+                <a:solidFill>
+                  <a:srgbClr val="0432FF"/>
+                </a:solidFill>
+                <a:latin typeface="Helvetica Light" charset="0"/>
+                <a:ea typeface="Helvetica Light" charset="0"/>
+                <a:cs typeface="Helvetica Light" charset="0"/>
+              </a:rPr>
+              <a:t>:</a:t>
+            </a:r>
+            <a:r>
+              <a:rPr lang="el-GR" dirty="0" smtClean="0">
+                <a:solidFill>
+                  <a:srgbClr val="0432FF"/>
+                </a:solidFill>
+                <a:latin typeface="Helvetica Light" charset="0"/>
+                <a:ea typeface="Helvetica Light" charset="0"/>
+                <a:cs typeface="Helvetica Light" charset="0"/>
+              </a:rPr>
+              <a:t>φ </a:t>
+            </a:r>
+            <a:r>
+              <a:rPr lang="el-GR" dirty="0" smtClean="0">
+                <a:solidFill>
+                  <a:srgbClr val="0432FF"/>
+                </a:solidFill>
+                <a:latin typeface="Helvetica Light" charset="0"/>
+                <a:ea typeface="Helvetica Light" charset="0"/>
+                <a:cs typeface="Helvetica Light" charset="0"/>
+                <a:sym typeface="Wingdings"/>
+              </a:rPr>
+              <a:t></a:t>
+            </a:r>
+            <a:r>
+              <a:rPr lang="el-GR" dirty="0" smtClean="0">
+                <a:solidFill>
+                  <a:srgbClr val="0432FF"/>
+                </a:solidFill>
+                <a:latin typeface="Helvetica Light" charset="0"/>
+                <a:ea typeface="Helvetica Light" charset="0"/>
+                <a:cs typeface="Helvetica Light" charset="0"/>
+              </a:rPr>
+              <a:t> φ</a:t>
+            </a:r>
+            <a:r>
+              <a:rPr lang="en-US" dirty="0" smtClean="0">
+                <a:solidFill>
+                  <a:srgbClr val="0432FF"/>
+                </a:solidFill>
+                <a:latin typeface="Helvetica Light" charset="0"/>
+                <a:ea typeface="Helvetica Light" charset="0"/>
+                <a:cs typeface="Helvetica Light" charset="0"/>
+              </a:rPr>
+              <a:t>’ </a:t>
+            </a:r>
+            <a:r>
+              <a:rPr lang="en-US" dirty="0" smtClean="0">
+                <a:latin typeface="Helvetica Light" charset="0"/>
+                <a:ea typeface="Helvetica Light" charset="0"/>
+                <a:cs typeface="Helvetica Light" charset="0"/>
+              </a:rPr>
+              <a:t>where </a:t>
+            </a:r>
+            <a:r>
+              <a:rPr lang="el-GR" dirty="0" smtClean="0">
+                <a:latin typeface="Helvetica Light" charset="0"/>
+                <a:ea typeface="Helvetica Light" charset="0"/>
+                <a:cs typeface="Helvetica Light" charset="0"/>
+              </a:rPr>
+              <a:t>φ</a:t>
+            </a:r>
+            <a:r>
+              <a:rPr lang="en-US" dirty="0" smtClean="0">
+                <a:latin typeface="Helvetica Light" charset="0"/>
+                <a:ea typeface="Helvetica Light" charset="0"/>
+                <a:cs typeface="Helvetica Light" charset="0"/>
+              </a:rPr>
+              <a:t>’ is a new random variable distributed according to </a:t>
+            </a:r>
+            <a:endParaRPr lang="en-US" dirty="0">
+              <a:latin typeface="Helvetica Light" charset="0"/>
+              <a:ea typeface="Helvetica Light" charset="0"/>
+              <a:cs typeface="Helvetica Light" charset="0"/>
+            </a:endParaRPr>
+          </a:p>
+        </p:txBody>
+      </p:sp>
+      <p:sp>
+        <p:nvSpPr>
+          <p:cNvPr id="9" name="TextBox 8"/>
+          <p:cNvSpPr txBox="1"/>
+          <p:nvPr/>
+        </p:nvSpPr>
+        <p:spPr>
+          <a:xfrm>
+            <a:off x="252541" y="5308149"/>
+            <a:ext cx="10841429" cy="646331"/>
+          </a:xfrm>
+          <a:prstGeom prst="rect">
+            <a:avLst/>
+          </a:prstGeom>
+          <a:noFill/>
+        </p:spPr>
+        <p:txBody>
+          <a:bodyPr wrap="none" rtlCol="0">
+            <a:spAutoFit/>
+          </a:bodyPr>
+          <a:lstStyle/>
+          <a:p>
+            <a:r>
+              <a:rPr lang="en-US" dirty="0" smtClean="0">
+                <a:latin typeface="Helvetica Light" charset="0"/>
+                <a:ea typeface="Helvetica Light" charset="0"/>
+                <a:cs typeface="Helvetica Light" charset="0"/>
+              </a:rPr>
+              <a:t>Such a mapping guarantees that local particle correlations (e.g., jets) are preserved, while constructing</a:t>
+            </a:r>
+            <a:br>
+              <a:rPr lang="en-US" dirty="0" smtClean="0">
+                <a:latin typeface="Helvetica Light" charset="0"/>
+                <a:ea typeface="Helvetica Light" charset="0"/>
+                <a:cs typeface="Helvetica Light" charset="0"/>
+              </a:rPr>
+            </a:br>
+            <a:r>
+              <a:rPr lang="en-US" dirty="0" smtClean="0">
+                <a:latin typeface="Helvetica Light" charset="0"/>
+                <a:ea typeface="Helvetica Light" charset="0"/>
+                <a:cs typeface="Helvetica Light" charset="0"/>
+              </a:rPr>
+              <a:t>a global flow correlation of strength v</a:t>
+            </a:r>
+            <a:r>
+              <a:rPr lang="en-US" baseline="-25000" dirty="0" smtClean="0">
+                <a:latin typeface="Helvetica Light" charset="0"/>
+                <a:ea typeface="Helvetica Light" charset="0"/>
+                <a:cs typeface="Helvetica Light" charset="0"/>
+              </a:rPr>
+              <a:t>2.</a:t>
+            </a:r>
           </a:p>
         </p:txBody>
       </p:sp>
     </p:spTree>
     <p:extLst>
       <p:ext uri="{BB962C8B-B14F-4D97-AF65-F5344CB8AC3E}">
-        <p14:creationId xmlns:p14="http://schemas.microsoft.com/office/powerpoint/2010/main" val="315016707"/>
+        <p14:creationId xmlns:p14="http://schemas.microsoft.com/office/powerpoint/2010/main" val="488711301"/>
       </p:ext>
     </p:extLst>
   </p:cSld>
@@ -3895,6 +4551,2131 @@
       </p:par>
     </p:tnLst>
   </p:timing>
+</p:sld>
+</file>
+
+<file path=ppt/slides/slide4.xml><?xml version="1.0" encoding="utf-8"?>
+<p:sld xmlns:a="http://schemas.openxmlformats.org/drawingml/2006/main" xmlns:r="http://schemas.openxmlformats.org/officeDocument/2006/relationships" xmlns:p="http://schemas.openxmlformats.org/presentationml/2006/main">
+  <p:cSld>
+    <p:spTree>
+      <p:nvGrpSpPr>
+        <p:cNvPr id="1" name=""/>
+        <p:cNvGrpSpPr/>
+        <p:nvPr/>
+      </p:nvGrpSpPr>
+      <p:grpSpPr>
+        <a:xfrm>
+          <a:off x="0" y="0"/>
+          <a:ext cx="0" cy="0"/>
+          <a:chOff x="0" y="0"/>
+          <a:chExt cx="0" cy="0"/>
+        </a:xfrm>
+      </p:grpSpPr>
+      <p:pic>
+        <p:nvPicPr>
+          <p:cNvPr id="2" name="Picture 1"/>
+          <p:cNvPicPr>
+            <a:picLocks noChangeAspect="1"/>
+          </p:cNvPicPr>
+          <p:nvPr/>
+        </p:nvPicPr>
+        <p:blipFill rotWithShape="1">
+          <a:blip r:embed="rId2"/>
+          <a:srcRect r="62862"/>
+          <a:stretch/>
+        </p:blipFill>
+        <p:spPr>
+          <a:xfrm>
+            <a:off x="171450" y="1448274"/>
+            <a:ext cx="4400550" cy="1231900"/>
+          </a:xfrm>
+          <a:prstGeom prst="rect">
+            <a:avLst/>
+          </a:prstGeom>
+        </p:spPr>
+      </p:pic>
+      <p:sp>
+        <p:nvSpPr>
+          <p:cNvPr id="3" name="Rectangle 2"/>
+          <p:cNvSpPr/>
+          <p:nvPr/>
+        </p:nvSpPr>
+        <p:spPr>
+          <a:xfrm>
+            <a:off x="0" y="-1"/>
+            <a:ext cx="12192000" cy="641445"/>
+          </a:xfrm>
+          <a:prstGeom prst="rect">
+            <a:avLst/>
+          </a:prstGeom>
+          <a:solidFill>
+            <a:srgbClr val="FFC000"/>
+          </a:solidFill>
+          <a:ln>
+            <a:noFill/>
+          </a:ln>
+        </p:spPr>
+        <p:style>
+          <a:lnRef idx="2">
+            <a:schemeClr val="accent1">
+              <a:shade val="50000"/>
+            </a:schemeClr>
+          </a:lnRef>
+          <a:fillRef idx="1">
+            <a:schemeClr val="accent1"/>
+          </a:fillRef>
+          <a:effectRef idx="0">
+            <a:schemeClr val="accent1"/>
+          </a:effectRef>
+          <a:fontRef idx="minor">
+            <a:schemeClr val="lt1"/>
+          </a:fontRef>
+        </p:style>
+        <p:txBody>
+          <a:bodyPr rtlCol="0" anchor="ctr"/>
+          <a:lstStyle/>
+          <a:p>
+            <a:pPr algn="ctr"/>
+            <a:endParaRPr lang="en-US"/>
+          </a:p>
+        </p:txBody>
+      </p:sp>
+      <p:sp>
+        <p:nvSpPr>
+          <p:cNvPr id="4" name="TextBox 3"/>
+          <p:cNvSpPr txBox="1"/>
+          <p:nvPr/>
+        </p:nvSpPr>
+        <p:spPr>
+          <a:xfrm>
+            <a:off x="109183" y="81463"/>
+            <a:ext cx="5796780" cy="461665"/>
+          </a:xfrm>
+          <a:prstGeom prst="rect">
+            <a:avLst/>
+          </a:prstGeom>
+          <a:noFill/>
+        </p:spPr>
+        <p:txBody>
+          <a:bodyPr wrap="none" rtlCol="0">
+            <a:spAutoFit/>
+          </a:bodyPr>
+          <a:lstStyle/>
+          <a:p>
+            <a:r>
+              <a:rPr lang="en-US" sz="2400" dirty="0" smtClean="0">
+                <a:latin typeface="Helvetica" charset="0"/>
+                <a:ea typeface="Helvetica" charset="0"/>
+                <a:cs typeface="Helvetica" charset="0"/>
+              </a:rPr>
+              <a:t>(Mathematical) Statement of the Problem</a:t>
+            </a:r>
+            <a:endParaRPr lang="en-US" sz="2400" dirty="0">
+              <a:latin typeface="Helvetica" charset="0"/>
+              <a:ea typeface="Helvetica" charset="0"/>
+              <a:cs typeface="Helvetica" charset="0"/>
+            </a:endParaRPr>
+          </a:p>
+        </p:txBody>
+      </p:sp>
+      <p:sp>
+        <p:nvSpPr>
+          <p:cNvPr id="7" name="TextBox 6"/>
+          <p:cNvSpPr txBox="1"/>
+          <p:nvPr/>
+        </p:nvSpPr>
+        <p:spPr>
+          <a:xfrm>
+            <a:off x="171450" y="980626"/>
+            <a:ext cx="6633547" cy="369332"/>
+          </a:xfrm>
+          <a:prstGeom prst="rect">
+            <a:avLst/>
+          </a:prstGeom>
+          <a:noFill/>
+        </p:spPr>
+        <p:txBody>
+          <a:bodyPr wrap="none" rtlCol="0">
+            <a:spAutoFit/>
+          </a:bodyPr>
+          <a:lstStyle/>
+          <a:p>
+            <a:r>
+              <a:rPr lang="en-US" dirty="0" smtClean="0">
+                <a:latin typeface="Helvetica Light" charset="0"/>
+                <a:ea typeface="Helvetica Light" charset="0"/>
+                <a:cs typeface="Helvetica Light" charset="0"/>
+              </a:rPr>
+              <a:t>The probability of </a:t>
+            </a:r>
+            <a:r>
+              <a:rPr lang="el-GR" dirty="0">
+                <a:latin typeface="Helvetica Light" charset="0"/>
+                <a:ea typeface="Helvetica Light" charset="0"/>
+                <a:cs typeface="Helvetica Light" charset="0"/>
+              </a:rPr>
+              <a:t>φ</a:t>
+            </a:r>
+            <a:r>
+              <a:rPr lang="en-US" dirty="0" smtClean="0">
+                <a:latin typeface="Helvetica Light" charset="0"/>
+                <a:ea typeface="Helvetica Light" charset="0"/>
+                <a:cs typeface="Helvetica Light" charset="0"/>
+              </a:rPr>
+              <a:t> being between values </a:t>
+            </a:r>
+            <a:r>
+              <a:rPr lang="en-US" i="1" dirty="0" smtClean="0">
+                <a:latin typeface="Helvetica Light" charset="0"/>
+                <a:ea typeface="Helvetica Light" charset="0"/>
+                <a:cs typeface="Helvetica Light" charset="0"/>
+              </a:rPr>
+              <a:t>a</a:t>
+            </a:r>
+            <a:r>
+              <a:rPr lang="en-US" dirty="0" smtClean="0">
+                <a:latin typeface="Helvetica Light" charset="0"/>
+                <a:ea typeface="Helvetica Light" charset="0"/>
+                <a:cs typeface="Helvetica Light" charset="0"/>
+              </a:rPr>
+              <a:t> and </a:t>
+            </a:r>
+            <a:r>
+              <a:rPr lang="en-US" i="1" dirty="0" smtClean="0">
+                <a:latin typeface="Helvetica Light" charset="0"/>
+                <a:ea typeface="Helvetica Light" charset="0"/>
+                <a:cs typeface="Helvetica Light" charset="0"/>
+              </a:rPr>
+              <a:t>b</a:t>
+            </a:r>
+            <a:r>
+              <a:rPr lang="en-US" dirty="0" smtClean="0">
+                <a:latin typeface="Helvetica Light" charset="0"/>
+                <a:ea typeface="Helvetica Light" charset="0"/>
+                <a:cs typeface="Helvetica Light" charset="0"/>
+              </a:rPr>
+              <a:t> is given by:</a:t>
+            </a:r>
+            <a:endParaRPr lang="en-US" dirty="0">
+              <a:latin typeface="Helvetica Light" charset="0"/>
+              <a:ea typeface="Helvetica Light" charset="0"/>
+              <a:cs typeface="Helvetica Light" charset="0"/>
+            </a:endParaRPr>
+          </a:p>
+        </p:txBody>
+      </p:sp>
+    </p:spTree>
+    <p:extLst>
+      <p:ext uri="{BB962C8B-B14F-4D97-AF65-F5344CB8AC3E}">
+        <p14:creationId xmlns:p14="http://schemas.microsoft.com/office/powerpoint/2010/main" val="1793369779"/>
+      </p:ext>
+    </p:extLst>
+  </p:cSld>
+  <p:clrMapOvr>
+    <a:masterClrMapping/>
+  </p:clrMapOvr>
+</p:sld>
+</file>
+
+<file path=ppt/slides/slide5.xml><?xml version="1.0" encoding="utf-8"?>
+<p:sld xmlns:a="http://schemas.openxmlformats.org/drawingml/2006/main" xmlns:r="http://schemas.openxmlformats.org/officeDocument/2006/relationships" xmlns:p="http://schemas.openxmlformats.org/presentationml/2006/main">
+  <p:cSld>
+    <p:spTree>
+      <p:nvGrpSpPr>
+        <p:cNvPr id="1" name=""/>
+        <p:cNvGrpSpPr/>
+        <p:nvPr/>
+      </p:nvGrpSpPr>
+      <p:grpSpPr>
+        <a:xfrm>
+          <a:off x="0" y="0"/>
+          <a:ext cx="0" cy="0"/>
+          <a:chOff x="0" y="0"/>
+          <a:chExt cx="0" cy="0"/>
+        </a:xfrm>
+      </p:grpSpPr>
+      <p:pic>
+        <p:nvPicPr>
+          <p:cNvPr id="2" name="Picture 1"/>
+          <p:cNvPicPr>
+            <a:picLocks noChangeAspect="1"/>
+          </p:cNvPicPr>
+          <p:nvPr/>
+        </p:nvPicPr>
+        <p:blipFill rotWithShape="1">
+          <a:blip r:embed="rId2"/>
+          <a:srcRect r="62862"/>
+          <a:stretch/>
+        </p:blipFill>
+        <p:spPr>
+          <a:xfrm>
+            <a:off x="171450" y="1448274"/>
+            <a:ext cx="4400550" cy="1231900"/>
+          </a:xfrm>
+          <a:prstGeom prst="rect">
+            <a:avLst/>
+          </a:prstGeom>
+        </p:spPr>
+      </p:pic>
+      <p:sp>
+        <p:nvSpPr>
+          <p:cNvPr id="3" name="Rectangle 2"/>
+          <p:cNvSpPr/>
+          <p:nvPr/>
+        </p:nvSpPr>
+        <p:spPr>
+          <a:xfrm>
+            <a:off x="0" y="-1"/>
+            <a:ext cx="12192000" cy="641445"/>
+          </a:xfrm>
+          <a:prstGeom prst="rect">
+            <a:avLst/>
+          </a:prstGeom>
+          <a:solidFill>
+            <a:srgbClr val="FFC000"/>
+          </a:solidFill>
+          <a:ln>
+            <a:noFill/>
+          </a:ln>
+        </p:spPr>
+        <p:style>
+          <a:lnRef idx="2">
+            <a:schemeClr val="accent1">
+              <a:shade val="50000"/>
+            </a:schemeClr>
+          </a:lnRef>
+          <a:fillRef idx="1">
+            <a:schemeClr val="accent1"/>
+          </a:fillRef>
+          <a:effectRef idx="0">
+            <a:schemeClr val="accent1"/>
+          </a:effectRef>
+          <a:fontRef idx="minor">
+            <a:schemeClr val="lt1"/>
+          </a:fontRef>
+        </p:style>
+        <p:txBody>
+          <a:bodyPr rtlCol="0" anchor="ctr"/>
+          <a:lstStyle/>
+          <a:p>
+            <a:pPr algn="ctr"/>
+            <a:endParaRPr lang="en-US"/>
+          </a:p>
+        </p:txBody>
+      </p:sp>
+      <p:sp>
+        <p:nvSpPr>
+          <p:cNvPr id="4" name="TextBox 3"/>
+          <p:cNvSpPr txBox="1"/>
+          <p:nvPr/>
+        </p:nvSpPr>
+        <p:spPr>
+          <a:xfrm>
+            <a:off x="109183" y="81463"/>
+            <a:ext cx="5796780" cy="461665"/>
+          </a:xfrm>
+          <a:prstGeom prst="rect">
+            <a:avLst/>
+          </a:prstGeom>
+          <a:noFill/>
+        </p:spPr>
+        <p:txBody>
+          <a:bodyPr wrap="none" rtlCol="0">
+            <a:spAutoFit/>
+          </a:bodyPr>
+          <a:lstStyle/>
+          <a:p>
+            <a:r>
+              <a:rPr lang="en-US" sz="2400" dirty="0" smtClean="0">
+                <a:latin typeface="Helvetica" charset="0"/>
+                <a:ea typeface="Helvetica" charset="0"/>
+                <a:cs typeface="Helvetica" charset="0"/>
+              </a:rPr>
+              <a:t>(Mathematical) Statement of the Problem</a:t>
+            </a:r>
+            <a:endParaRPr lang="en-US" sz="2400" dirty="0">
+              <a:latin typeface="Helvetica" charset="0"/>
+              <a:ea typeface="Helvetica" charset="0"/>
+              <a:cs typeface="Helvetica" charset="0"/>
+            </a:endParaRPr>
+          </a:p>
+        </p:txBody>
+      </p:sp>
+      <p:pic>
+        <p:nvPicPr>
+          <p:cNvPr id="5" name="Picture 4"/>
+          <p:cNvPicPr>
+            <a:picLocks noChangeAspect="1"/>
+          </p:cNvPicPr>
+          <p:nvPr/>
+        </p:nvPicPr>
+        <p:blipFill rotWithShape="1">
+          <a:blip r:embed="rId2"/>
+          <a:srcRect l="36752" r="32866"/>
+          <a:stretch/>
+        </p:blipFill>
+        <p:spPr>
+          <a:xfrm>
+            <a:off x="2343550" y="3285038"/>
+            <a:ext cx="3600050" cy="1231900"/>
+          </a:xfrm>
+          <a:prstGeom prst="rect">
+            <a:avLst/>
+          </a:prstGeom>
+        </p:spPr>
+      </p:pic>
+      <p:sp>
+        <p:nvSpPr>
+          <p:cNvPr id="7" name="TextBox 6"/>
+          <p:cNvSpPr txBox="1"/>
+          <p:nvPr/>
+        </p:nvSpPr>
+        <p:spPr>
+          <a:xfrm>
+            <a:off x="171450" y="980626"/>
+            <a:ext cx="6633547" cy="369332"/>
+          </a:xfrm>
+          <a:prstGeom prst="rect">
+            <a:avLst/>
+          </a:prstGeom>
+          <a:noFill/>
+        </p:spPr>
+        <p:txBody>
+          <a:bodyPr wrap="none" rtlCol="0">
+            <a:spAutoFit/>
+          </a:bodyPr>
+          <a:lstStyle/>
+          <a:p>
+            <a:r>
+              <a:rPr lang="en-US" dirty="0" smtClean="0">
+                <a:latin typeface="Helvetica Light" charset="0"/>
+                <a:ea typeface="Helvetica Light" charset="0"/>
+                <a:cs typeface="Helvetica Light" charset="0"/>
+              </a:rPr>
+              <a:t>The probability of </a:t>
+            </a:r>
+            <a:r>
+              <a:rPr lang="el-GR" dirty="0">
+                <a:latin typeface="Helvetica Light" charset="0"/>
+                <a:ea typeface="Helvetica Light" charset="0"/>
+                <a:cs typeface="Helvetica Light" charset="0"/>
+              </a:rPr>
+              <a:t>φ</a:t>
+            </a:r>
+            <a:r>
+              <a:rPr lang="en-US" dirty="0" smtClean="0">
+                <a:latin typeface="Helvetica Light" charset="0"/>
+                <a:ea typeface="Helvetica Light" charset="0"/>
+                <a:cs typeface="Helvetica Light" charset="0"/>
+              </a:rPr>
+              <a:t> being between values </a:t>
+            </a:r>
+            <a:r>
+              <a:rPr lang="en-US" i="1" dirty="0" smtClean="0">
+                <a:latin typeface="Helvetica Light" charset="0"/>
+                <a:ea typeface="Helvetica Light" charset="0"/>
+                <a:cs typeface="Helvetica Light" charset="0"/>
+              </a:rPr>
+              <a:t>a</a:t>
+            </a:r>
+            <a:r>
+              <a:rPr lang="en-US" dirty="0" smtClean="0">
+                <a:latin typeface="Helvetica Light" charset="0"/>
+                <a:ea typeface="Helvetica Light" charset="0"/>
+                <a:cs typeface="Helvetica Light" charset="0"/>
+              </a:rPr>
+              <a:t> and </a:t>
+            </a:r>
+            <a:r>
+              <a:rPr lang="en-US" i="1" dirty="0" smtClean="0">
+                <a:latin typeface="Helvetica Light" charset="0"/>
+                <a:ea typeface="Helvetica Light" charset="0"/>
+                <a:cs typeface="Helvetica Light" charset="0"/>
+              </a:rPr>
+              <a:t>b</a:t>
+            </a:r>
+            <a:r>
+              <a:rPr lang="en-US" dirty="0" smtClean="0">
+                <a:latin typeface="Helvetica Light" charset="0"/>
+                <a:ea typeface="Helvetica Light" charset="0"/>
+                <a:cs typeface="Helvetica Light" charset="0"/>
+              </a:rPr>
+              <a:t> is given by:</a:t>
+            </a:r>
+            <a:endParaRPr lang="en-US" dirty="0">
+              <a:latin typeface="Helvetica Light" charset="0"/>
+              <a:ea typeface="Helvetica Light" charset="0"/>
+              <a:cs typeface="Helvetica Light" charset="0"/>
+            </a:endParaRPr>
+          </a:p>
+        </p:txBody>
+      </p:sp>
+      <p:sp>
+        <p:nvSpPr>
+          <p:cNvPr id="8" name="TextBox 7"/>
+          <p:cNvSpPr txBox="1"/>
+          <p:nvPr/>
+        </p:nvSpPr>
+        <p:spPr>
+          <a:xfrm>
+            <a:off x="171450" y="2712327"/>
+            <a:ext cx="11447365" cy="369332"/>
+          </a:xfrm>
+          <a:prstGeom prst="rect">
+            <a:avLst/>
+          </a:prstGeom>
+          <a:noFill/>
+        </p:spPr>
+        <p:txBody>
+          <a:bodyPr wrap="none" rtlCol="0">
+            <a:spAutoFit/>
+          </a:bodyPr>
+          <a:lstStyle/>
+          <a:p>
+            <a:r>
+              <a:rPr lang="en-US" dirty="0" smtClean="0">
+                <a:latin typeface="Helvetica Light" charset="0"/>
+                <a:ea typeface="Helvetica Light" charset="0"/>
+                <a:cs typeface="Helvetica Light" charset="0"/>
+              </a:rPr>
+              <a:t>But, given the mapping </a:t>
+            </a:r>
+            <a:r>
+              <a:rPr lang="en-US" i="1" dirty="0" smtClean="0">
+                <a:solidFill>
+                  <a:srgbClr val="0432FF"/>
+                </a:solidFill>
+                <a:latin typeface="Helvetica Light" charset="0"/>
+                <a:ea typeface="Helvetica Light" charset="0"/>
+                <a:cs typeface="Helvetica Light" charset="0"/>
+              </a:rPr>
+              <a:t>y </a:t>
+            </a:r>
+            <a:r>
+              <a:rPr lang="en-US" dirty="0" smtClean="0">
+                <a:solidFill>
+                  <a:srgbClr val="0432FF"/>
+                </a:solidFill>
+                <a:latin typeface="Helvetica Light" charset="0"/>
+                <a:ea typeface="Helvetica Light" charset="0"/>
+                <a:cs typeface="Helvetica Light" charset="0"/>
+              </a:rPr>
+              <a:t>:</a:t>
+            </a:r>
+            <a:r>
+              <a:rPr lang="el-GR" dirty="0" smtClean="0">
+                <a:solidFill>
+                  <a:srgbClr val="0432FF"/>
+                </a:solidFill>
+                <a:latin typeface="Helvetica Light" charset="0"/>
+                <a:ea typeface="Helvetica Light" charset="0"/>
+                <a:cs typeface="Helvetica Light" charset="0"/>
+              </a:rPr>
+              <a:t>φ </a:t>
+            </a:r>
+            <a:r>
+              <a:rPr lang="el-GR" dirty="0" smtClean="0">
+                <a:solidFill>
+                  <a:srgbClr val="0432FF"/>
+                </a:solidFill>
+                <a:latin typeface="Helvetica Light" charset="0"/>
+                <a:ea typeface="Helvetica Light" charset="0"/>
+                <a:cs typeface="Helvetica Light" charset="0"/>
+                <a:sym typeface="Wingdings"/>
+              </a:rPr>
+              <a:t></a:t>
+            </a:r>
+            <a:r>
+              <a:rPr lang="el-GR" dirty="0" smtClean="0">
+                <a:solidFill>
+                  <a:srgbClr val="0432FF"/>
+                </a:solidFill>
+                <a:latin typeface="Helvetica Light" charset="0"/>
+                <a:ea typeface="Helvetica Light" charset="0"/>
+                <a:cs typeface="Helvetica Light" charset="0"/>
+              </a:rPr>
+              <a:t> φ</a:t>
+            </a:r>
+            <a:r>
+              <a:rPr lang="en-US" dirty="0" smtClean="0">
+                <a:solidFill>
+                  <a:srgbClr val="0432FF"/>
+                </a:solidFill>
+                <a:latin typeface="Helvetica Light" charset="0"/>
+                <a:ea typeface="Helvetica Light" charset="0"/>
+                <a:cs typeface="Helvetica Light" charset="0"/>
+              </a:rPr>
+              <a:t>’</a:t>
+            </a:r>
+            <a:r>
+              <a:rPr lang="en-US" dirty="0" smtClean="0">
+                <a:latin typeface="Helvetica Light" charset="0"/>
+                <a:ea typeface="Helvetica Light" charset="0"/>
+                <a:cs typeface="Helvetica Light" charset="0"/>
+              </a:rPr>
+              <a:t>,</a:t>
+            </a:r>
+            <a:r>
+              <a:rPr lang="en-US" dirty="0" smtClean="0">
+                <a:solidFill>
+                  <a:srgbClr val="0432FF"/>
+                </a:solidFill>
+                <a:latin typeface="Helvetica Light" charset="0"/>
+                <a:ea typeface="Helvetica Light" charset="0"/>
+                <a:cs typeface="Helvetica Light" charset="0"/>
+              </a:rPr>
+              <a:t> </a:t>
+            </a:r>
+            <a:r>
+              <a:rPr lang="en-US" dirty="0" smtClean="0">
+                <a:latin typeface="Helvetica Light" charset="0"/>
+                <a:ea typeface="Helvetica Light" charset="0"/>
+                <a:cs typeface="Helvetica Light" charset="0"/>
+              </a:rPr>
+              <a:t>it should also be equal to the probability of </a:t>
+            </a:r>
+            <a:r>
+              <a:rPr lang="el-GR" dirty="0" smtClean="0">
+                <a:latin typeface="Helvetica Light" charset="0"/>
+                <a:ea typeface="Helvetica Light" charset="0"/>
+                <a:cs typeface="Helvetica Light" charset="0"/>
+              </a:rPr>
+              <a:t>φ</a:t>
+            </a:r>
+            <a:r>
+              <a:rPr lang="en-US" dirty="0" smtClean="0">
+                <a:latin typeface="Helvetica Light" charset="0"/>
+                <a:ea typeface="Helvetica Light" charset="0"/>
+                <a:cs typeface="Helvetica Light" charset="0"/>
+              </a:rPr>
+              <a:t>’</a:t>
+            </a:r>
+            <a:r>
+              <a:rPr lang="en-US" dirty="0" smtClean="0">
+                <a:solidFill>
+                  <a:srgbClr val="0432FF"/>
+                </a:solidFill>
+                <a:latin typeface="Helvetica Light" charset="0"/>
+                <a:ea typeface="Helvetica Light" charset="0"/>
+                <a:cs typeface="Helvetica Light" charset="0"/>
+              </a:rPr>
+              <a:t> </a:t>
+            </a:r>
+            <a:r>
+              <a:rPr lang="en-US" dirty="0" smtClean="0">
+                <a:latin typeface="Helvetica Light" charset="0"/>
+                <a:ea typeface="Helvetica Light" charset="0"/>
+                <a:cs typeface="Helvetica Light" charset="0"/>
+              </a:rPr>
+              <a:t>being between </a:t>
+            </a:r>
+            <a:r>
+              <a:rPr lang="en-US" i="1" dirty="0" smtClean="0">
+                <a:latin typeface="Helvetica Light" charset="0"/>
+                <a:ea typeface="Helvetica Light" charset="0"/>
+                <a:cs typeface="Helvetica Light" charset="0"/>
+              </a:rPr>
+              <a:t>y(a)</a:t>
+            </a:r>
+            <a:r>
+              <a:rPr lang="en-US" dirty="0" smtClean="0">
+                <a:latin typeface="Helvetica Light" charset="0"/>
+                <a:ea typeface="Helvetica Light" charset="0"/>
+                <a:cs typeface="Helvetica Light" charset="0"/>
+              </a:rPr>
+              <a:t> and </a:t>
+            </a:r>
+            <a:r>
+              <a:rPr lang="en-US" i="1" dirty="0" smtClean="0">
+                <a:latin typeface="Helvetica Light" charset="0"/>
+                <a:ea typeface="Helvetica Light" charset="0"/>
+                <a:cs typeface="Helvetica Light" charset="0"/>
+              </a:rPr>
+              <a:t>y(b)</a:t>
+            </a:r>
+            <a:endParaRPr lang="en-US" i="1" dirty="0">
+              <a:latin typeface="Helvetica Light" charset="0"/>
+              <a:ea typeface="Helvetica Light" charset="0"/>
+              <a:cs typeface="Helvetica Light" charset="0"/>
+            </a:endParaRPr>
+          </a:p>
+        </p:txBody>
+      </p:sp>
+    </p:spTree>
+    <p:extLst>
+      <p:ext uri="{BB962C8B-B14F-4D97-AF65-F5344CB8AC3E}">
+        <p14:creationId xmlns:p14="http://schemas.microsoft.com/office/powerpoint/2010/main" val="1232890008"/>
+      </p:ext>
+    </p:extLst>
+  </p:cSld>
+  <p:clrMapOvr>
+    <a:masterClrMapping/>
+  </p:clrMapOvr>
+</p:sld>
+</file>
+
+<file path=ppt/slides/slide6.xml><?xml version="1.0" encoding="utf-8"?>
+<p:sld xmlns:a="http://schemas.openxmlformats.org/drawingml/2006/main" xmlns:r="http://schemas.openxmlformats.org/officeDocument/2006/relationships" xmlns:p="http://schemas.openxmlformats.org/presentationml/2006/main">
+  <p:cSld>
+    <p:spTree>
+      <p:nvGrpSpPr>
+        <p:cNvPr id="1" name=""/>
+        <p:cNvGrpSpPr/>
+        <p:nvPr/>
+      </p:nvGrpSpPr>
+      <p:grpSpPr>
+        <a:xfrm>
+          <a:off x="0" y="0"/>
+          <a:ext cx="0" cy="0"/>
+          <a:chOff x="0" y="0"/>
+          <a:chExt cx="0" cy="0"/>
+        </a:xfrm>
+      </p:grpSpPr>
+      <p:pic>
+        <p:nvPicPr>
+          <p:cNvPr id="2" name="Picture 1"/>
+          <p:cNvPicPr>
+            <a:picLocks noChangeAspect="1"/>
+          </p:cNvPicPr>
+          <p:nvPr/>
+        </p:nvPicPr>
+        <p:blipFill rotWithShape="1">
+          <a:blip r:embed="rId2"/>
+          <a:srcRect r="62862"/>
+          <a:stretch/>
+        </p:blipFill>
+        <p:spPr>
+          <a:xfrm>
+            <a:off x="171450" y="1448274"/>
+            <a:ext cx="4400550" cy="1231900"/>
+          </a:xfrm>
+          <a:prstGeom prst="rect">
+            <a:avLst/>
+          </a:prstGeom>
+        </p:spPr>
+      </p:pic>
+      <p:sp>
+        <p:nvSpPr>
+          <p:cNvPr id="3" name="Rectangle 2"/>
+          <p:cNvSpPr/>
+          <p:nvPr/>
+        </p:nvSpPr>
+        <p:spPr>
+          <a:xfrm>
+            <a:off x="0" y="-1"/>
+            <a:ext cx="12192000" cy="641445"/>
+          </a:xfrm>
+          <a:prstGeom prst="rect">
+            <a:avLst/>
+          </a:prstGeom>
+          <a:solidFill>
+            <a:srgbClr val="FFC000"/>
+          </a:solidFill>
+          <a:ln>
+            <a:noFill/>
+          </a:ln>
+        </p:spPr>
+        <p:style>
+          <a:lnRef idx="2">
+            <a:schemeClr val="accent1">
+              <a:shade val="50000"/>
+            </a:schemeClr>
+          </a:lnRef>
+          <a:fillRef idx="1">
+            <a:schemeClr val="accent1"/>
+          </a:fillRef>
+          <a:effectRef idx="0">
+            <a:schemeClr val="accent1"/>
+          </a:effectRef>
+          <a:fontRef idx="minor">
+            <a:schemeClr val="lt1"/>
+          </a:fontRef>
+        </p:style>
+        <p:txBody>
+          <a:bodyPr rtlCol="0" anchor="ctr"/>
+          <a:lstStyle/>
+          <a:p>
+            <a:pPr algn="ctr"/>
+            <a:endParaRPr lang="en-US"/>
+          </a:p>
+        </p:txBody>
+      </p:sp>
+      <p:sp>
+        <p:nvSpPr>
+          <p:cNvPr id="4" name="TextBox 3"/>
+          <p:cNvSpPr txBox="1"/>
+          <p:nvPr/>
+        </p:nvSpPr>
+        <p:spPr>
+          <a:xfrm>
+            <a:off x="109183" y="81463"/>
+            <a:ext cx="6406049" cy="461665"/>
+          </a:xfrm>
+          <a:prstGeom prst="rect">
+            <a:avLst/>
+          </a:prstGeom>
+          <a:noFill/>
+        </p:spPr>
+        <p:txBody>
+          <a:bodyPr wrap="none" rtlCol="0">
+            <a:spAutoFit/>
+          </a:bodyPr>
+          <a:lstStyle/>
+          <a:p>
+            <a:r>
+              <a:rPr lang="en-US" sz="2400" dirty="0" smtClean="0">
+                <a:latin typeface="Helvetica" charset="0"/>
+                <a:ea typeface="Helvetica" charset="0"/>
+                <a:cs typeface="Helvetica" charset="0"/>
+              </a:rPr>
+              <a:t>Transforming Probability Density Distributions</a:t>
+            </a:r>
+            <a:endParaRPr lang="en-US" sz="2400" dirty="0">
+              <a:latin typeface="Helvetica" charset="0"/>
+              <a:ea typeface="Helvetica" charset="0"/>
+              <a:cs typeface="Helvetica" charset="0"/>
+            </a:endParaRPr>
+          </a:p>
+        </p:txBody>
+      </p:sp>
+      <p:pic>
+        <p:nvPicPr>
+          <p:cNvPr id="5" name="Picture 4"/>
+          <p:cNvPicPr>
+            <a:picLocks noChangeAspect="1"/>
+          </p:cNvPicPr>
+          <p:nvPr/>
+        </p:nvPicPr>
+        <p:blipFill rotWithShape="1">
+          <a:blip r:embed="rId2"/>
+          <a:srcRect l="36752"/>
+          <a:stretch/>
+        </p:blipFill>
+        <p:spPr>
+          <a:xfrm>
+            <a:off x="2343550" y="3285038"/>
+            <a:ext cx="7494270" cy="1231900"/>
+          </a:xfrm>
+          <a:prstGeom prst="rect">
+            <a:avLst/>
+          </a:prstGeom>
+        </p:spPr>
+      </p:pic>
+      <p:sp>
+        <p:nvSpPr>
+          <p:cNvPr id="7" name="TextBox 6"/>
+          <p:cNvSpPr txBox="1"/>
+          <p:nvPr/>
+        </p:nvSpPr>
+        <p:spPr>
+          <a:xfrm>
+            <a:off x="171450" y="980626"/>
+            <a:ext cx="6633547" cy="369332"/>
+          </a:xfrm>
+          <a:prstGeom prst="rect">
+            <a:avLst/>
+          </a:prstGeom>
+          <a:noFill/>
+        </p:spPr>
+        <p:txBody>
+          <a:bodyPr wrap="none" rtlCol="0">
+            <a:spAutoFit/>
+          </a:bodyPr>
+          <a:lstStyle/>
+          <a:p>
+            <a:r>
+              <a:rPr lang="en-US" dirty="0" smtClean="0">
+                <a:latin typeface="Helvetica Light" charset="0"/>
+                <a:ea typeface="Helvetica Light" charset="0"/>
+                <a:cs typeface="Helvetica Light" charset="0"/>
+              </a:rPr>
+              <a:t>The probability of </a:t>
+            </a:r>
+            <a:r>
+              <a:rPr lang="el-GR" dirty="0">
+                <a:latin typeface="Helvetica Light" charset="0"/>
+                <a:ea typeface="Helvetica Light" charset="0"/>
+                <a:cs typeface="Helvetica Light" charset="0"/>
+              </a:rPr>
+              <a:t>φ</a:t>
+            </a:r>
+            <a:r>
+              <a:rPr lang="en-US" dirty="0" smtClean="0">
+                <a:latin typeface="Helvetica Light" charset="0"/>
+                <a:ea typeface="Helvetica Light" charset="0"/>
+                <a:cs typeface="Helvetica Light" charset="0"/>
+              </a:rPr>
+              <a:t> being between values </a:t>
+            </a:r>
+            <a:r>
+              <a:rPr lang="en-US" i="1" dirty="0" smtClean="0">
+                <a:latin typeface="Helvetica Light" charset="0"/>
+                <a:ea typeface="Helvetica Light" charset="0"/>
+                <a:cs typeface="Helvetica Light" charset="0"/>
+              </a:rPr>
+              <a:t>a</a:t>
+            </a:r>
+            <a:r>
+              <a:rPr lang="en-US" dirty="0" smtClean="0">
+                <a:latin typeface="Helvetica Light" charset="0"/>
+                <a:ea typeface="Helvetica Light" charset="0"/>
+                <a:cs typeface="Helvetica Light" charset="0"/>
+              </a:rPr>
+              <a:t> and </a:t>
+            </a:r>
+            <a:r>
+              <a:rPr lang="en-US" i="1" dirty="0" smtClean="0">
+                <a:latin typeface="Helvetica Light" charset="0"/>
+                <a:ea typeface="Helvetica Light" charset="0"/>
+                <a:cs typeface="Helvetica Light" charset="0"/>
+              </a:rPr>
+              <a:t>b</a:t>
+            </a:r>
+            <a:r>
+              <a:rPr lang="en-US" dirty="0" smtClean="0">
+                <a:latin typeface="Helvetica Light" charset="0"/>
+                <a:ea typeface="Helvetica Light" charset="0"/>
+                <a:cs typeface="Helvetica Light" charset="0"/>
+              </a:rPr>
+              <a:t> is given by:</a:t>
+            </a:r>
+            <a:endParaRPr lang="en-US" dirty="0">
+              <a:latin typeface="Helvetica Light" charset="0"/>
+              <a:ea typeface="Helvetica Light" charset="0"/>
+              <a:cs typeface="Helvetica Light" charset="0"/>
+            </a:endParaRPr>
+          </a:p>
+        </p:txBody>
+      </p:sp>
+      <p:sp>
+        <p:nvSpPr>
+          <p:cNvPr id="8" name="TextBox 7"/>
+          <p:cNvSpPr txBox="1"/>
+          <p:nvPr/>
+        </p:nvSpPr>
+        <p:spPr>
+          <a:xfrm>
+            <a:off x="171450" y="2712327"/>
+            <a:ext cx="11447365" cy="369332"/>
+          </a:xfrm>
+          <a:prstGeom prst="rect">
+            <a:avLst/>
+          </a:prstGeom>
+          <a:noFill/>
+        </p:spPr>
+        <p:txBody>
+          <a:bodyPr wrap="none" rtlCol="0">
+            <a:spAutoFit/>
+          </a:bodyPr>
+          <a:lstStyle/>
+          <a:p>
+            <a:r>
+              <a:rPr lang="en-US" dirty="0" smtClean="0">
+                <a:latin typeface="Helvetica Light" charset="0"/>
+                <a:ea typeface="Helvetica Light" charset="0"/>
+                <a:cs typeface="Helvetica Light" charset="0"/>
+              </a:rPr>
+              <a:t>But, given the mapping </a:t>
+            </a:r>
+            <a:r>
+              <a:rPr lang="en-US" i="1" dirty="0" smtClean="0">
+                <a:solidFill>
+                  <a:srgbClr val="0432FF"/>
+                </a:solidFill>
+                <a:latin typeface="Helvetica Light" charset="0"/>
+                <a:ea typeface="Helvetica Light" charset="0"/>
+                <a:cs typeface="Helvetica Light" charset="0"/>
+              </a:rPr>
+              <a:t>y </a:t>
+            </a:r>
+            <a:r>
+              <a:rPr lang="en-US" dirty="0" smtClean="0">
+                <a:solidFill>
+                  <a:srgbClr val="0432FF"/>
+                </a:solidFill>
+                <a:latin typeface="Helvetica Light" charset="0"/>
+                <a:ea typeface="Helvetica Light" charset="0"/>
+                <a:cs typeface="Helvetica Light" charset="0"/>
+              </a:rPr>
+              <a:t>:</a:t>
+            </a:r>
+            <a:r>
+              <a:rPr lang="el-GR" dirty="0" smtClean="0">
+                <a:solidFill>
+                  <a:srgbClr val="0432FF"/>
+                </a:solidFill>
+                <a:latin typeface="Helvetica Light" charset="0"/>
+                <a:ea typeface="Helvetica Light" charset="0"/>
+                <a:cs typeface="Helvetica Light" charset="0"/>
+              </a:rPr>
+              <a:t>φ </a:t>
+            </a:r>
+            <a:r>
+              <a:rPr lang="el-GR" dirty="0" smtClean="0">
+                <a:solidFill>
+                  <a:srgbClr val="0432FF"/>
+                </a:solidFill>
+                <a:latin typeface="Helvetica Light" charset="0"/>
+                <a:ea typeface="Helvetica Light" charset="0"/>
+                <a:cs typeface="Helvetica Light" charset="0"/>
+                <a:sym typeface="Wingdings"/>
+              </a:rPr>
+              <a:t></a:t>
+            </a:r>
+            <a:r>
+              <a:rPr lang="el-GR" dirty="0" smtClean="0">
+                <a:solidFill>
+                  <a:srgbClr val="0432FF"/>
+                </a:solidFill>
+                <a:latin typeface="Helvetica Light" charset="0"/>
+                <a:ea typeface="Helvetica Light" charset="0"/>
+                <a:cs typeface="Helvetica Light" charset="0"/>
+              </a:rPr>
+              <a:t> φ</a:t>
+            </a:r>
+            <a:r>
+              <a:rPr lang="en-US" dirty="0" smtClean="0">
+                <a:solidFill>
+                  <a:srgbClr val="0432FF"/>
+                </a:solidFill>
+                <a:latin typeface="Helvetica Light" charset="0"/>
+                <a:ea typeface="Helvetica Light" charset="0"/>
+                <a:cs typeface="Helvetica Light" charset="0"/>
+              </a:rPr>
+              <a:t>’</a:t>
+            </a:r>
+            <a:r>
+              <a:rPr lang="en-US" dirty="0" smtClean="0">
+                <a:latin typeface="Helvetica Light" charset="0"/>
+                <a:ea typeface="Helvetica Light" charset="0"/>
+                <a:cs typeface="Helvetica Light" charset="0"/>
+              </a:rPr>
+              <a:t>,</a:t>
+            </a:r>
+            <a:r>
+              <a:rPr lang="en-US" dirty="0" smtClean="0">
+                <a:solidFill>
+                  <a:srgbClr val="0432FF"/>
+                </a:solidFill>
+                <a:latin typeface="Helvetica Light" charset="0"/>
+                <a:ea typeface="Helvetica Light" charset="0"/>
+                <a:cs typeface="Helvetica Light" charset="0"/>
+              </a:rPr>
+              <a:t> </a:t>
+            </a:r>
+            <a:r>
+              <a:rPr lang="en-US" dirty="0" smtClean="0">
+                <a:latin typeface="Helvetica Light" charset="0"/>
+                <a:ea typeface="Helvetica Light" charset="0"/>
+                <a:cs typeface="Helvetica Light" charset="0"/>
+              </a:rPr>
+              <a:t>it should also be equal to the probability of </a:t>
+            </a:r>
+            <a:r>
+              <a:rPr lang="el-GR" dirty="0" smtClean="0">
+                <a:latin typeface="Helvetica Light" charset="0"/>
+                <a:ea typeface="Helvetica Light" charset="0"/>
+                <a:cs typeface="Helvetica Light" charset="0"/>
+              </a:rPr>
+              <a:t>φ</a:t>
+            </a:r>
+            <a:r>
+              <a:rPr lang="en-US" dirty="0" smtClean="0">
+                <a:latin typeface="Helvetica Light" charset="0"/>
+                <a:ea typeface="Helvetica Light" charset="0"/>
+                <a:cs typeface="Helvetica Light" charset="0"/>
+              </a:rPr>
+              <a:t>’</a:t>
+            </a:r>
+            <a:r>
+              <a:rPr lang="en-US" dirty="0" smtClean="0">
+                <a:solidFill>
+                  <a:srgbClr val="0432FF"/>
+                </a:solidFill>
+                <a:latin typeface="Helvetica Light" charset="0"/>
+                <a:ea typeface="Helvetica Light" charset="0"/>
+                <a:cs typeface="Helvetica Light" charset="0"/>
+              </a:rPr>
+              <a:t> </a:t>
+            </a:r>
+            <a:r>
+              <a:rPr lang="en-US" dirty="0" smtClean="0">
+                <a:latin typeface="Helvetica Light" charset="0"/>
+                <a:ea typeface="Helvetica Light" charset="0"/>
+                <a:cs typeface="Helvetica Light" charset="0"/>
+              </a:rPr>
+              <a:t>being between </a:t>
+            </a:r>
+            <a:r>
+              <a:rPr lang="en-US" i="1" dirty="0" smtClean="0">
+                <a:latin typeface="Helvetica Light" charset="0"/>
+                <a:ea typeface="Helvetica Light" charset="0"/>
+                <a:cs typeface="Helvetica Light" charset="0"/>
+              </a:rPr>
+              <a:t>y(a)</a:t>
+            </a:r>
+            <a:r>
+              <a:rPr lang="en-US" dirty="0" smtClean="0">
+                <a:latin typeface="Helvetica Light" charset="0"/>
+                <a:ea typeface="Helvetica Light" charset="0"/>
+                <a:cs typeface="Helvetica Light" charset="0"/>
+              </a:rPr>
+              <a:t> and </a:t>
+            </a:r>
+            <a:r>
+              <a:rPr lang="en-US" i="1" dirty="0" smtClean="0">
+                <a:latin typeface="Helvetica Light" charset="0"/>
+                <a:ea typeface="Helvetica Light" charset="0"/>
+                <a:cs typeface="Helvetica Light" charset="0"/>
+              </a:rPr>
+              <a:t>y(b)</a:t>
+            </a:r>
+            <a:endParaRPr lang="en-US" i="1" dirty="0">
+              <a:latin typeface="Helvetica Light" charset="0"/>
+              <a:ea typeface="Helvetica Light" charset="0"/>
+              <a:cs typeface="Helvetica Light" charset="0"/>
+            </a:endParaRPr>
+          </a:p>
+        </p:txBody>
+      </p:sp>
+      <p:sp>
+        <p:nvSpPr>
+          <p:cNvPr id="10" name="TextBox 9"/>
+          <p:cNvSpPr txBox="1"/>
+          <p:nvPr/>
+        </p:nvSpPr>
+        <p:spPr>
+          <a:xfrm>
+            <a:off x="7424980" y="5193486"/>
+            <a:ext cx="2412840" cy="523220"/>
+          </a:xfrm>
+          <a:prstGeom prst="rect">
+            <a:avLst/>
+          </a:prstGeom>
+          <a:solidFill>
+            <a:schemeClr val="bg1"/>
+          </a:solidFill>
+          <a:ln>
+            <a:solidFill>
+              <a:schemeClr val="tx1"/>
+            </a:solidFill>
+          </a:ln>
+          <a:effectLst>
+            <a:outerShdw blurRad="50800" dist="76200" dir="2700000" algn="tl" rotWithShape="0">
+              <a:prstClr val="black">
+                <a:alpha val="40000"/>
+              </a:prstClr>
+            </a:outerShdw>
+          </a:effectLst>
+        </p:spPr>
+        <p:txBody>
+          <a:bodyPr wrap="none" rtlCol="0">
+            <a:spAutoFit/>
+          </a:bodyPr>
+          <a:lstStyle/>
+          <a:p>
+            <a:r>
+              <a:rPr lang="en-US" sz="1400" i="1" dirty="0" smtClean="0">
+                <a:solidFill>
+                  <a:srgbClr val="0432FF"/>
+                </a:solidFill>
+                <a:latin typeface="Helvetica Light Oblique" charset="0"/>
+                <a:ea typeface="Helvetica Light Oblique" charset="0"/>
+                <a:cs typeface="Helvetica Light Oblique" charset="0"/>
+              </a:rPr>
+              <a:t>This is akin to integration by</a:t>
+            </a:r>
+            <a:r>
+              <a:rPr lang="en-US" sz="1400" i="1" smtClean="0">
+                <a:solidFill>
+                  <a:srgbClr val="0432FF"/>
+                </a:solidFill>
+                <a:latin typeface="Helvetica Light Oblique" charset="0"/>
+                <a:ea typeface="Helvetica Light Oblique" charset="0"/>
+                <a:cs typeface="Helvetica Light Oblique" charset="0"/>
+              </a:rPr>
+              <a:t/>
+            </a:r>
+            <a:br>
+              <a:rPr lang="en-US" sz="1400" i="1" smtClean="0">
+                <a:solidFill>
+                  <a:srgbClr val="0432FF"/>
+                </a:solidFill>
+                <a:latin typeface="Helvetica Light Oblique" charset="0"/>
+                <a:ea typeface="Helvetica Light Oblique" charset="0"/>
+                <a:cs typeface="Helvetica Light Oblique" charset="0"/>
+              </a:rPr>
+            </a:br>
+            <a:r>
+              <a:rPr lang="en-US" sz="1400" i="1" smtClean="0">
+                <a:solidFill>
+                  <a:srgbClr val="0432FF"/>
+                </a:solidFill>
+                <a:latin typeface="Helvetica Light Oblique" charset="0"/>
+                <a:ea typeface="Helvetica Light Oblique" charset="0"/>
+                <a:cs typeface="Helvetica Light Oblique" charset="0"/>
+              </a:rPr>
+              <a:t>substitution of variables</a:t>
+            </a:r>
+            <a:endParaRPr lang="en-US" sz="1400" i="1">
+              <a:solidFill>
+                <a:srgbClr val="0432FF"/>
+              </a:solidFill>
+              <a:latin typeface="Helvetica Light Oblique" charset="0"/>
+              <a:ea typeface="Helvetica Light Oblique" charset="0"/>
+              <a:cs typeface="Helvetica Light Oblique" charset="0"/>
+            </a:endParaRPr>
+          </a:p>
+        </p:txBody>
+      </p:sp>
+      <p:cxnSp>
+        <p:nvCxnSpPr>
+          <p:cNvPr id="12" name="Straight Arrow Connector 11"/>
+          <p:cNvCxnSpPr>
+            <a:stCxn id="10" idx="0"/>
+          </p:cNvCxnSpPr>
+          <p:nvPr/>
+        </p:nvCxnSpPr>
+        <p:spPr>
+          <a:xfrm flipV="1">
+            <a:off x="8631400" y="4448698"/>
+            <a:ext cx="0" cy="744788"/>
+          </a:xfrm>
+          <a:prstGeom prst="straightConnector1">
+            <a:avLst/>
+          </a:prstGeom>
+          <a:ln>
+            <a:solidFill>
+              <a:srgbClr val="0432FF"/>
+            </a:solidFill>
+            <a:tailEnd type="triangle"/>
+          </a:ln>
+        </p:spPr>
+        <p:style>
+          <a:lnRef idx="1">
+            <a:schemeClr val="accent1"/>
+          </a:lnRef>
+          <a:fillRef idx="0">
+            <a:schemeClr val="accent1"/>
+          </a:fillRef>
+          <a:effectRef idx="0">
+            <a:schemeClr val="accent1"/>
+          </a:effectRef>
+          <a:fontRef idx="minor">
+            <a:schemeClr val="tx1"/>
+          </a:fontRef>
+        </p:style>
+      </p:cxnSp>
+    </p:spTree>
+    <p:extLst>
+      <p:ext uri="{BB962C8B-B14F-4D97-AF65-F5344CB8AC3E}">
+        <p14:creationId xmlns:p14="http://schemas.microsoft.com/office/powerpoint/2010/main" val="112654553"/>
+      </p:ext>
+    </p:extLst>
+  </p:cSld>
+  <p:clrMapOvr>
+    <a:masterClrMapping/>
+  </p:clrMapOvr>
+</p:sld>
+</file>
+
+<file path=ppt/slides/slide7.xml><?xml version="1.0" encoding="utf-8"?>
+<p:sld xmlns:a="http://schemas.openxmlformats.org/drawingml/2006/main" xmlns:r="http://schemas.openxmlformats.org/officeDocument/2006/relationships" xmlns:p="http://schemas.openxmlformats.org/presentationml/2006/main">
+  <p:cSld>
+    <p:spTree>
+      <p:nvGrpSpPr>
+        <p:cNvPr id="1" name=""/>
+        <p:cNvGrpSpPr/>
+        <p:nvPr/>
+      </p:nvGrpSpPr>
+      <p:grpSpPr>
+        <a:xfrm>
+          <a:off x="0" y="0"/>
+          <a:ext cx="0" cy="0"/>
+          <a:chOff x="0" y="0"/>
+          <a:chExt cx="0" cy="0"/>
+        </a:xfrm>
+      </p:grpSpPr>
+      <p:sp>
+        <p:nvSpPr>
+          <p:cNvPr id="7" name="Rectangle 6"/>
+          <p:cNvSpPr/>
+          <p:nvPr/>
+        </p:nvSpPr>
+        <p:spPr>
+          <a:xfrm>
+            <a:off x="0" y="-1"/>
+            <a:ext cx="12192000" cy="641445"/>
+          </a:xfrm>
+          <a:prstGeom prst="rect">
+            <a:avLst/>
+          </a:prstGeom>
+          <a:solidFill>
+            <a:srgbClr val="FFC000"/>
+          </a:solidFill>
+          <a:ln>
+            <a:noFill/>
+          </a:ln>
+        </p:spPr>
+        <p:style>
+          <a:lnRef idx="2">
+            <a:schemeClr val="accent1">
+              <a:shade val="50000"/>
+            </a:schemeClr>
+          </a:lnRef>
+          <a:fillRef idx="1">
+            <a:schemeClr val="accent1"/>
+          </a:fillRef>
+          <a:effectRef idx="0">
+            <a:schemeClr val="accent1"/>
+          </a:effectRef>
+          <a:fontRef idx="minor">
+            <a:schemeClr val="lt1"/>
+          </a:fontRef>
+        </p:style>
+        <p:txBody>
+          <a:bodyPr rtlCol="0" anchor="ctr"/>
+          <a:lstStyle/>
+          <a:p>
+            <a:pPr algn="ctr"/>
+            <a:endParaRPr lang="en-US"/>
+          </a:p>
+        </p:txBody>
+      </p:sp>
+      <p:pic>
+        <p:nvPicPr>
+          <p:cNvPr id="8" name="Picture 7"/>
+          <p:cNvPicPr>
+            <a:picLocks noChangeAspect="1"/>
+          </p:cNvPicPr>
+          <p:nvPr/>
+        </p:nvPicPr>
+        <p:blipFill>
+          <a:blip r:embed="rId2"/>
+          <a:stretch>
+            <a:fillRect/>
+          </a:stretch>
+        </p:blipFill>
+        <p:spPr>
+          <a:xfrm>
+            <a:off x="3939203" y="2957251"/>
+            <a:ext cx="4069753" cy="1117320"/>
+          </a:xfrm>
+          <a:prstGeom prst="rect">
+            <a:avLst/>
+          </a:prstGeom>
+        </p:spPr>
+      </p:pic>
+      <p:sp>
+        <p:nvSpPr>
+          <p:cNvPr id="9" name="TextBox 8"/>
+          <p:cNvSpPr txBox="1"/>
+          <p:nvPr/>
+        </p:nvSpPr>
+        <p:spPr>
+          <a:xfrm>
+            <a:off x="109183" y="81463"/>
+            <a:ext cx="6406049" cy="461665"/>
+          </a:xfrm>
+          <a:prstGeom prst="rect">
+            <a:avLst/>
+          </a:prstGeom>
+          <a:noFill/>
+        </p:spPr>
+        <p:txBody>
+          <a:bodyPr wrap="none" rtlCol="0">
+            <a:spAutoFit/>
+          </a:bodyPr>
+          <a:lstStyle/>
+          <a:p>
+            <a:r>
+              <a:rPr lang="en-US" sz="2400" dirty="0" smtClean="0">
+                <a:latin typeface="Helvetica" charset="0"/>
+                <a:ea typeface="Helvetica" charset="0"/>
+                <a:cs typeface="Helvetica" charset="0"/>
+              </a:rPr>
+              <a:t>Transforming Probability Density Distributions</a:t>
+            </a:r>
+            <a:endParaRPr lang="en-US" sz="2400" dirty="0">
+              <a:latin typeface="Helvetica" charset="0"/>
+              <a:ea typeface="Helvetica" charset="0"/>
+              <a:cs typeface="Helvetica" charset="0"/>
+            </a:endParaRPr>
+          </a:p>
+        </p:txBody>
+      </p:sp>
+      <p:sp>
+        <p:nvSpPr>
+          <p:cNvPr id="10" name="TextBox 9"/>
+          <p:cNvSpPr txBox="1"/>
+          <p:nvPr/>
+        </p:nvSpPr>
+        <p:spPr>
+          <a:xfrm>
+            <a:off x="1733266" y="1813685"/>
+            <a:ext cx="8725466" cy="923330"/>
+          </a:xfrm>
+          <a:prstGeom prst="rect">
+            <a:avLst/>
+          </a:prstGeom>
+          <a:noFill/>
+        </p:spPr>
+        <p:txBody>
+          <a:bodyPr wrap="none" rtlCol="0">
+            <a:spAutoFit/>
+          </a:bodyPr>
+          <a:lstStyle/>
+          <a:p>
+            <a:r>
+              <a:rPr lang="en-US" dirty="0" smtClean="0">
+                <a:latin typeface="Helvetica Light" charset="0"/>
+                <a:ea typeface="Helvetica Light" charset="0"/>
+                <a:cs typeface="Helvetica Light" charset="0"/>
+              </a:rPr>
+              <a:t>Comparing the integrands of the expressions in the previous slide, we see that the </a:t>
+            </a:r>
+          </a:p>
+          <a:p>
+            <a:r>
+              <a:rPr lang="en-US" dirty="0" smtClean="0">
+                <a:latin typeface="Helvetica Light" charset="0"/>
+                <a:ea typeface="Helvetica Light" charset="0"/>
+                <a:cs typeface="Helvetica Light" charset="0"/>
+              </a:rPr>
+              <a:t>probability distributions and the mapping should satisfy the following differential </a:t>
+            </a:r>
+          </a:p>
+          <a:p>
+            <a:r>
+              <a:rPr lang="en-US" dirty="0" smtClean="0">
+                <a:latin typeface="Helvetica Light" charset="0"/>
+                <a:ea typeface="Helvetica Light" charset="0"/>
+                <a:cs typeface="Helvetica Light" charset="0"/>
+              </a:rPr>
+              <a:t>equation, which must be solved for </a:t>
+            </a:r>
+            <a:r>
+              <a:rPr lang="el-GR" dirty="0" smtClean="0">
+                <a:solidFill>
+                  <a:srgbClr val="0432FF"/>
+                </a:solidFill>
+                <a:latin typeface="Helvetica Light" charset="0"/>
+                <a:ea typeface="Helvetica Light" charset="0"/>
+                <a:cs typeface="Helvetica Light" charset="0"/>
+              </a:rPr>
+              <a:t>φ</a:t>
+            </a:r>
+            <a:r>
+              <a:rPr lang="en-US" dirty="0" smtClean="0">
+                <a:solidFill>
+                  <a:srgbClr val="0432FF"/>
+                </a:solidFill>
+                <a:latin typeface="Helvetica Light" charset="0"/>
+                <a:ea typeface="Helvetica Light" charset="0"/>
+                <a:cs typeface="Helvetica Light" charset="0"/>
+              </a:rPr>
+              <a:t>’(</a:t>
+            </a:r>
+            <a:r>
+              <a:rPr lang="el-GR" dirty="0" smtClean="0">
+                <a:solidFill>
+                  <a:srgbClr val="0432FF"/>
+                </a:solidFill>
+                <a:latin typeface="Helvetica Light" charset="0"/>
+                <a:ea typeface="Helvetica Light" charset="0"/>
+                <a:cs typeface="Helvetica Light" charset="0"/>
+              </a:rPr>
+              <a:t>φ</a:t>
+            </a:r>
+            <a:r>
+              <a:rPr lang="en-US" dirty="0" smtClean="0">
+                <a:solidFill>
+                  <a:srgbClr val="0432FF"/>
+                </a:solidFill>
+                <a:latin typeface="Helvetica Light" charset="0"/>
+                <a:ea typeface="Helvetica Light" charset="0"/>
+                <a:cs typeface="Helvetica Light" charset="0"/>
+              </a:rPr>
+              <a:t>)</a:t>
+            </a:r>
+            <a:endParaRPr lang="en-US" dirty="0" smtClean="0">
+              <a:latin typeface="Helvetica Light" charset="0"/>
+              <a:ea typeface="Helvetica Light" charset="0"/>
+              <a:cs typeface="Helvetica Light" charset="0"/>
+            </a:endParaRPr>
+          </a:p>
+        </p:txBody>
+      </p:sp>
+    </p:spTree>
+    <p:extLst>
+      <p:ext uri="{BB962C8B-B14F-4D97-AF65-F5344CB8AC3E}">
+        <p14:creationId xmlns:p14="http://schemas.microsoft.com/office/powerpoint/2010/main" val="1451979264"/>
+      </p:ext>
+    </p:extLst>
+  </p:cSld>
+  <p:clrMapOvr>
+    <a:masterClrMapping/>
+  </p:clrMapOvr>
+  <p:timing>
+    <p:tnLst>
+      <p:par>
+        <p:cTn id="1" dur="indefinite" restart="never" nodeType="tmRoot"/>
+      </p:par>
+    </p:tnLst>
+  </p:timing>
+</p:sld>
+</file>
+
+<file path=ppt/slides/slide8.xml><?xml version="1.0" encoding="utf-8"?>
+<p:sld xmlns:a="http://schemas.openxmlformats.org/drawingml/2006/main" xmlns:r="http://schemas.openxmlformats.org/officeDocument/2006/relationships" xmlns:p="http://schemas.openxmlformats.org/presentationml/2006/main">
+  <p:cSld>
+    <p:spTree>
+      <p:nvGrpSpPr>
+        <p:cNvPr id="1" name=""/>
+        <p:cNvGrpSpPr/>
+        <p:nvPr/>
+      </p:nvGrpSpPr>
+      <p:grpSpPr>
+        <a:xfrm>
+          <a:off x="0" y="0"/>
+          <a:ext cx="0" cy="0"/>
+          <a:chOff x="0" y="0"/>
+          <a:chExt cx="0" cy="0"/>
+        </a:xfrm>
+      </p:grpSpPr>
+      <p:sp>
+        <p:nvSpPr>
+          <p:cNvPr id="3" name="Rectangle 2"/>
+          <p:cNvSpPr/>
+          <p:nvPr/>
+        </p:nvSpPr>
+        <p:spPr>
+          <a:xfrm>
+            <a:off x="0" y="-1"/>
+            <a:ext cx="12192000" cy="641445"/>
+          </a:xfrm>
+          <a:prstGeom prst="rect">
+            <a:avLst/>
+          </a:prstGeom>
+          <a:solidFill>
+            <a:srgbClr val="FFC000"/>
+          </a:solidFill>
+          <a:ln>
+            <a:noFill/>
+          </a:ln>
+        </p:spPr>
+        <p:style>
+          <a:lnRef idx="2">
+            <a:schemeClr val="accent1">
+              <a:shade val="50000"/>
+            </a:schemeClr>
+          </a:lnRef>
+          <a:fillRef idx="1">
+            <a:schemeClr val="accent1"/>
+          </a:fillRef>
+          <a:effectRef idx="0">
+            <a:schemeClr val="accent1"/>
+          </a:effectRef>
+          <a:fontRef idx="minor">
+            <a:schemeClr val="lt1"/>
+          </a:fontRef>
+        </p:style>
+        <p:txBody>
+          <a:bodyPr rtlCol="0" anchor="ctr"/>
+          <a:lstStyle/>
+          <a:p>
+            <a:pPr algn="ctr"/>
+            <a:endParaRPr lang="en-US"/>
+          </a:p>
+        </p:txBody>
+      </p:sp>
+      <p:sp>
+        <p:nvSpPr>
+          <p:cNvPr id="5" name="TextBox 4"/>
+          <p:cNvSpPr txBox="1"/>
+          <p:nvPr/>
+        </p:nvSpPr>
+        <p:spPr>
+          <a:xfrm>
+            <a:off x="335392" y="1098845"/>
+            <a:ext cx="11655755" cy="369332"/>
+          </a:xfrm>
+          <a:prstGeom prst="rect">
+            <a:avLst/>
+          </a:prstGeom>
+          <a:noFill/>
+        </p:spPr>
+        <p:txBody>
+          <a:bodyPr wrap="none" rtlCol="0">
+            <a:spAutoFit/>
+          </a:bodyPr>
+          <a:lstStyle/>
+          <a:p>
+            <a:r>
+              <a:rPr lang="en-US" dirty="0" smtClean="0">
+                <a:latin typeface="Helvetica Light" charset="0"/>
+                <a:ea typeface="Helvetica Light" charset="0"/>
+                <a:cs typeface="Helvetica Light" charset="0"/>
+              </a:rPr>
+              <a:t>In our case, with                                                     and v</a:t>
+            </a:r>
+            <a:r>
+              <a:rPr lang="en-US" baseline="-25000" dirty="0" smtClean="0">
+                <a:latin typeface="Helvetica Light" charset="0"/>
+                <a:ea typeface="Helvetica Light" charset="0"/>
+                <a:cs typeface="Helvetica Light" charset="0"/>
+              </a:rPr>
+              <a:t>2</a:t>
+            </a:r>
+            <a:r>
+              <a:rPr lang="en-US" dirty="0" smtClean="0">
+                <a:latin typeface="Helvetica Light" charset="0"/>
+                <a:ea typeface="Helvetica Light" charset="0"/>
+                <a:cs typeface="Helvetica Light" charset="0"/>
+              </a:rPr>
+              <a:t> = 0.4, we obtain the following transcendental equation </a:t>
+            </a:r>
+          </a:p>
+        </p:txBody>
+      </p:sp>
+      <p:pic>
+        <p:nvPicPr>
+          <p:cNvPr id="6" name="Picture 5"/>
+          <p:cNvPicPr>
+            <a:picLocks noChangeAspect="1"/>
+          </p:cNvPicPr>
+          <p:nvPr/>
+        </p:nvPicPr>
+        <p:blipFill>
+          <a:blip r:embed="rId2"/>
+          <a:stretch>
+            <a:fillRect/>
+          </a:stretch>
+        </p:blipFill>
+        <p:spPr>
+          <a:xfrm>
+            <a:off x="2170371" y="935122"/>
+            <a:ext cx="3277592" cy="666297"/>
+          </a:xfrm>
+          <a:prstGeom prst="rect">
+            <a:avLst/>
+          </a:prstGeom>
+        </p:spPr>
+      </p:pic>
+      <p:pic>
+        <p:nvPicPr>
+          <p:cNvPr id="7" name="Picture 6"/>
+          <p:cNvPicPr>
+            <a:picLocks noChangeAspect="1"/>
+          </p:cNvPicPr>
+          <p:nvPr/>
+        </p:nvPicPr>
+        <p:blipFill>
+          <a:blip r:embed="rId3"/>
+          <a:stretch>
+            <a:fillRect/>
+          </a:stretch>
+        </p:blipFill>
+        <p:spPr>
+          <a:xfrm>
+            <a:off x="411592" y="1696172"/>
+            <a:ext cx="3291728" cy="725296"/>
+          </a:xfrm>
+          <a:prstGeom prst="rect">
+            <a:avLst/>
+          </a:prstGeom>
+        </p:spPr>
+      </p:pic>
+      <p:sp>
+        <p:nvSpPr>
+          <p:cNvPr id="8" name="TextBox 7"/>
+          <p:cNvSpPr txBox="1"/>
+          <p:nvPr/>
+        </p:nvSpPr>
+        <p:spPr>
+          <a:xfrm>
+            <a:off x="3703320" y="1857027"/>
+            <a:ext cx="6005170" cy="369332"/>
+          </a:xfrm>
+          <a:prstGeom prst="rect">
+            <a:avLst/>
+          </a:prstGeom>
+          <a:noFill/>
+        </p:spPr>
+        <p:txBody>
+          <a:bodyPr wrap="none" rtlCol="0">
+            <a:spAutoFit/>
+          </a:bodyPr>
+          <a:lstStyle/>
+          <a:p>
+            <a:r>
+              <a:rPr lang="en-US" dirty="0">
+                <a:latin typeface="Helvetica Light" charset="0"/>
+                <a:ea typeface="Helvetica Light" charset="0"/>
+                <a:cs typeface="Helvetica Light" charset="0"/>
+              </a:rPr>
+              <a:t>w</a:t>
+            </a:r>
+            <a:r>
+              <a:rPr lang="en-US" dirty="0" smtClean="0">
+                <a:latin typeface="Helvetica Light" charset="0"/>
+                <a:ea typeface="Helvetica Light" charset="0"/>
+                <a:cs typeface="Helvetica Light" charset="0"/>
+              </a:rPr>
+              <a:t>hich can be solved numerically for </a:t>
+            </a:r>
+            <a:r>
+              <a:rPr lang="el-GR" dirty="0" smtClean="0">
+                <a:latin typeface="Helvetica Light" charset="0"/>
+                <a:ea typeface="Helvetica Light" charset="0"/>
+                <a:cs typeface="Helvetica Light" charset="0"/>
+              </a:rPr>
+              <a:t>φ’, </a:t>
+            </a:r>
+            <a:r>
+              <a:rPr lang="en-US" dirty="0" smtClean="0">
+                <a:latin typeface="Helvetica Light" charset="0"/>
+                <a:ea typeface="Helvetica Light" charset="0"/>
+                <a:cs typeface="Helvetica Light" charset="0"/>
+              </a:rPr>
+              <a:t>as shown below:</a:t>
+            </a:r>
+          </a:p>
+        </p:txBody>
+      </p:sp>
+      <p:sp>
+        <p:nvSpPr>
+          <p:cNvPr id="9" name="TextBox 8"/>
+          <p:cNvSpPr txBox="1"/>
+          <p:nvPr/>
+        </p:nvSpPr>
+        <p:spPr>
+          <a:xfrm>
+            <a:off x="109183" y="81463"/>
+            <a:ext cx="8539454" cy="461665"/>
+          </a:xfrm>
+          <a:prstGeom prst="rect">
+            <a:avLst/>
+          </a:prstGeom>
+          <a:noFill/>
+        </p:spPr>
+        <p:txBody>
+          <a:bodyPr wrap="none" rtlCol="0">
+            <a:spAutoFit/>
+          </a:bodyPr>
+          <a:lstStyle/>
+          <a:p>
+            <a:r>
+              <a:rPr lang="en-US" sz="2400" dirty="0" smtClean="0">
+                <a:latin typeface="Helvetica" charset="0"/>
+                <a:ea typeface="Helvetica" charset="0"/>
+                <a:cs typeface="Helvetica" charset="0"/>
+              </a:rPr>
+              <a:t>Transforming Probability Density Distributions: A Toy Problem</a:t>
+            </a:r>
+            <a:endParaRPr lang="en-US" sz="2400" dirty="0">
+              <a:latin typeface="Helvetica" charset="0"/>
+              <a:ea typeface="Helvetica" charset="0"/>
+              <a:cs typeface="Helvetica" charset="0"/>
+            </a:endParaRPr>
+          </a:p>
+        </p:txBody>
+      </p:sp>
+      <p:pic>
+        <p:nvPicPr>
+          <p:cNvPr id="2" name="Picture 1"/>
+          <p:cNvPicPr>
+            <a:picLocks noChangeAspect="1"/>
+          </p:cNvPicPr>
+          <p:nvPr/>
+        </p:nvPicPr>
+        <p:blipFill>
+          <a:blip r:embed="rId4"/>
+          <a:stretch>
+            <a:fillRect/>
+          </a:stretch>
+        </p:blipFill>
+        <p:spPr>
+          <a:xfrm>
+            <a:off x="1281019" y="2840944"/>
+            <a:ext cx="4005152" cy="3738714"/>
+          </a:xfrm>
+          <a:prstGeom prst="rect">
+            <a:avLst/>
+          </a:prstGeom>
+        </p:spPr>
+      </p:pic>
+      <p:pic>
+        <p:nvPicPr>
+          <p:cNvPr id="10" name="Picture 9"/>
+          <p:cNvPicPr>
+            <a:picLocks noChangeAspect="1"/>
+          </p:cNvPicPr>
+          <p:nvPr/>
+        </p:nvPicPr>
+        <p:blipFill>
+          <a:blip r:embed="rId5"/>
+          <a:stretch>
+            <a:fillRect/>
+          </a:stretch>
+        </p:blipFill>
+        <p:spPr>
+          <a:xfrm>
+            <a:off x="6163269" y="2856257"/>
+            <a:ext cx="4234178" cy="3708088"/>
+          </a:xfrm>
+          <a:prstGeom prst="rect">
+            <a:avLst/>
+          </a:prstGeom>
+        </p:spPr>
+      </p:pic>
+    </p:spTree>
+    <p:extLst>
+      <p:ext uri="{BB962C8B-B14F-4D97-AF65-F5344CB8AC3E}">
+        <p14:creationId xmlns:p14="http://schemas.microsoft.com/office/powerpoint/2010/main" val="1558809187"/>
+      </p:ext>
+    </p:extLst>
+  </p:cSld>
+  <p:clrMapOvr>
+    <a:masterClrMapping/>
+  </p:clrMapOvr>
+</p:sld>
+</file>
+
+<file path=ppt/slides/slide9.xml><?xml version="1.0" encoding="utf-8"?>
+<p:sld xmlns:a="http://schemas.openxmlformats.org/drawingml/2006/main" xmlns:r="http://schemas.openxmlformats.org/officeDocument/2006/relationships" xmlns:p="http://schemas.openxmlformats.org/presentationml/2006/main">
+  <p:cSld>
+    <p:spTree>
+      <p:nvGrpSpPr>
+        <p:cNvPr id="1" name=""/>
+        <p:cNvGrpSpPr/>
+        <p:nvPr/>
+      </p:nvGrpSpPr>
+      <p:grpSpPr>
+        <a:xfrm>
+          <a:off x="0" y="0"/>
+          <a:ext cx="0" cy="0"/>
+          <a:chOff x="0" y="0"/>
+          <a:chExt cx="0" cy="0"/>
+        </a:xfrm>
+      </p:grpSpPr>
+      <p:sp>
+        <p:nvSpPr>
+          <p:cNvPr id="2" name="Rectangle 1"/>
+          <p:cNvSpPr/>
+          <p:nvPr/>
+        </p:nvSpPr>
+        <p:spPr>
+          <a:xfrm>
+            <a:off x="0" y="-1"/>
+            <a:ext cx="12192000" cy="641445"/>
+          </a:xfrm>
+          <a:prstGeom prst="rect">
+            <a:avLst/>
+          </a:prstGeom>
+          <a:solidFill>
+            <a:srgbClr val="FFC000"/>
+          </a:solidFill>
+          <a:ln>
+            <a:noFill/>
+          </a:ln>
+        </p:spPr>
+        <p:style>
+          <a:lnRef idx="2">
+            <a:schemeClr val="accent1">
+              <a:shade val="50000"/>
+            </a:schemeClr>
+          </a:lnRef>
+          <a:fillRef idx="1">
+            <a:schemeClr val="accent1"/>
+          </a:fillRef>
+          <a:effectRef idx="0">
+            <a:schemeClr val="accent1"/>
+          </a:effectRef>
+          <a:fontRef idx="minor">
+            <a:schemeClr val="lt1"/>
+          </a:fontRef>
+        </p:style>
+        <p:txBody>
+          <a:bodyPr rtlCol="0" anchor="ctr"/>
+          <a:lstStyle/>
+          <a:p>
+            <a:pPr algn="ctr"/>
+            <a:endParaRPr lang="en-US"/>
+          </a:p>
+        </p:txBody>
+      </p:sp>
+      <p:sp>
+        <p:nvSpPr>
+          <p:cNvPr id="3" name="TextBox 2"/>
+          <p:cNvSpPr txBox="1"/>
+          <p:nvPr/>
+        </p:nvSpPr>
+        <p:spPr>
+          <a:xfrm>
+            <a:off x="109183" y="81463"/>
+            <a:ext cx="8539454" cy="461665"/>
+          </a:xfrm>
+          <a:prstGeom prst="rect">
+            <a:avLst/>
+          </a:prstGeom>
+          <a:noFill/>
+        </p:spPr>
+        <p:txBody>
+          <a:bodyPr wrap="none" rtlCol="0">
+            <a:spAutoFit/>
+          </a:bodyPr>
+          <a:lstStyle/>
+          <a:p>
+            <a:r>
+              <a:rPr lang="en-US" sz="2400" dirty="0" smtClean="0">
+                <a:latin typeface="Helvetica" charset="0"/>
+                <a:ea typeface="Helvetica" charset="0"/>
+                <a:cs typeface="Helvetica" charset="0"/>
+              </a:rPr>
+              <a:t>Transforming Probability Density Distributions: A Toy Problem</a:t>
+            </a:r>
+            <a:endParaRPr lang="en-US" sz="2400" dirty="0">
+              <a:latin typeface="Helvetica" charset="0"/>
+              <a:ea typeface="Helvetica" charset="0"/>
+              <a:cs typeface="Helvetica" charset="0"/>
+            </a:endParaRPr>
+          </a:p>
+        </p:txBody>
+      </p:sp>
+      <p:cxnSp>
+        <p:nvCxnSpPr>
+          <p:cNvPr id="7" name="Straight Arrow Connector 6"/>
+          <p:cNvCxnSpPr/>
+          <p:nvPr/>
+        </p:nvCxnSpPr>
+        <p:spPr>
+          <a:xfrm flipV="1">
+            <a:off x="4606666" y="2931160"/>
+            <a:ext cx="2742824" cy="20320"/>
+          </a:xfrm>
+          <a:prstGeom prst="straightConnector1">
+            <a:avLst/>
+          </a:prstGeom>
+          <a:ln w="76200">
+            <a:solidFill>
+              <a:srgbClr val="0432FF"/>
+            </a:solidFill>
+            <a:tailEnd type="triangle"/>
+          </a:ln>
+        </p:spPr>
+        <p:style>
+          <a:lnRef idx="1">
+            <a:schemeClr val="accent1"/>
+          </a:lnRef>
+          <a:fillRef idx="0">
+            <a:schemeClr val="accent1"/>
+          </a:fillRef>
+          <a:effectRef idx="0">
+            <a:schemeClr val="accent1"/>
+          </a:effectRef>
+          <a:fontRef idx="minor">
+            <a:schemeClr val="tx1"/>
+          </a:fontRef>
+        </p:style>
+      </p:cxnSp>
+      <p:sp>
+        <p:nvSpPr>
+          <p:cNvPr id="9" name="TextBox 8"/>
+          <p:cNvSpPr txBox="1"/>
+          <p:nvPr/>
+        </p:nvSpPr>
+        <p:spPr>
+          <a:xfrm>
+            <a:off x="890891" y="5352123"/>
+            <a:ext cx="10738837" cy="646331"/>
+          </a:xfrm>
+          <a:prstGeom prst="rect">
+            <a:avLst/>
+          </a:prstGeom>
+          <a:noFill/>
+        </p:spPr>
+        <p:txBody>
+          <a:bodyPr wrap="none" rtlCol="0">
+            <a:spAutoFit/>
+          </a:bodyPr>
+          <a:lstStyle/>
+          <a:p>
+            <a:r>
+              <a:rPr lang="en-US" dirty="0" smtClean="0">
+                <a:latin typeface="Helvetica Light" charset="0"/>
+                <a:ea typeface="Helvetica Light" charset="0"/>
+                <a:cs typeface="Helvetica Light" charset="0"/>
+              </a:rPr>
+              <a:t>The mapping is applied to every single particle, originally with uniform azimuthal distribution, obtaining</a:t>
+            </a:r>
+            <a:br>
+              <a:rPr lang="en-US" dirty="0" smtClean="0">
+                <a:latin typeface="Helvetica Light" charset="0"/>
+                <a:ea typeface="Helvetica Light" charset="0"/>
+                <a:cs typeface="Helvetica Light" charset="0"/>
+              </a:rPr>
+            </a:br>
+            <a:r>
+              <a:rPr lang="en-US" dirty="0" smtClean="0">
+                <a:latin typeface="Helvetica Light" charset="0"/>
+                <a:ea typeface="Helvetica Light" charset="0"/>
+                <a:cs typeface="Helvetica Light" charset="0"/>
+              </a:rPr>
+              <a:t>the new azimuthal distribution </a:t>
+            </a:r>
+            <a:r>
+              <a:rPr lang="en-US" smtClean="0">
+                <a:latin typeface="Helvetica Light" charset="0"/>
+                <a:ea typeface="Helvetica Light" charset="0"/>
+                <a:cs typeface="Helvetica Light" charset="0"/>
+              </a:rPr>
+              <a:t>shown on the right.</a:t>
+            </a:r>
+            <a:endParaRPr lang="en-US" dirty="0">
+              <a:latin typeface="Helvetica Light" charset="0"/>
+              <a:ea typeface="Helvetica Light" charset="0"/>
+              <a:cs typeface="Helvetica Light" charset="0"/>
+            </a:endParaRPr>
+          </a:p>
+        </p:txBody>
+      </p:sp>
+      <p:pic>
+        <p:nvPicPr>
+          <p:cNvPr id="6" name="Picture 5"/>
+          <p:cNvPicPr>
+            <a:picLocks noChangeAspect="1"/>
+          </p:cNvPicPr>
+          <p:nvPr/>
+        </p:nvPicPr>
+        <p:blipFill>
+          <a:blip r:embed="rId2"/>
+          <a:stretch>
+            <a:fillRect/>
+          </a:stretch>
+        </p:blipFill>
+        <p:spPr>
+          <a:xfrm>
+            <a:off x="7548730" y="1304789"/>
+            <a:ext cx="3982298" cy="3474595"/>
+          </a:xfrm>
+          <a:prstGeom prst="rect">
+            <a:avLst/>
+          </a:prstGeom>
+        </p:spPr>
+      </p:pic>
+      <p:sp>
+        <p:nvSpPr>
+          <p:cNvPr id="10" name="TextBox 9"/>
+          <p:cNvSpPr txBox="1"/>
+          <p:nvPr/>
+        </p:nvSpPr>
+        <p:spPr>
+          <a:xfrm>
+            <a:off x="8496965" y="1010387"/>
+            <a:ext cx="2374368" cy="369332"/>
+          </a:xfrm>
+          <a:prstGeom prst="rect">
+            <a:avLst/>
+          </a:prstGeom>
+          <a:noFill/>
+        </p:spPr>
+        <p:txBody>
+          <a:bodyPr wrap="none" rtlCol="0">
+            <a:spAutoFit/>
+          </a:bodyPr>
+          <a:lstStyle/>
+          <a:p>
+            <a:r>
+              <a:rPr lang="en-US" i="1" dirty="0" smtClean="0">
+                <a:latin typeface="Helvetica Light Oblique" charset="0"/>
+                <a:ea typeface="Helvetica Light Oblique" charset="0"/>
+                <a:cs typeface="Helvetica Light Oblique" charset="0"/>
+              </a:rPr>
+              <a:t>1 + 2 x 0.4 x Cos(2</a:t>
+            </a:r>
+            <a:r>
+              <a:rPr lang="el-GR" i="1" dirty="0" smtClean="0">
+                <a:latin typeface="Helvetica Light Oblique" charset="0"/>
+                <a:ea typeface="Helvetica Light Oblique" charset="0"/>
+                <a:cs typeface="Helvetica Light Oblique" charset="0"/>
+              </a:rPr>
+              <a:t>φ</a:t>
+            </a:r>
+            <a:r>
+              <a:rPr lang="en-US" i="1" dirty="0" smtClean="0">
+                <a:latin typeface="Helvetica Light Oblique" charset="0"/>
+                <a:ea typeface="Helvetica Light Oblique" charset="0"/>
+                <a:cs typeface="Helvetica Light Oblique" charset="0"/>
+              </a:rPr>
+              <a:t>)</a:t>
+            </a:r>
+            <a:endParaRPr lang="en-US" i="1" dirty="0">
+              <a:latin typeface="Helvetica Light Oblique" charset="0"/>
+              <a:ea typeface="Helvetica Light Oblique" charset="0"/>
+              <a:cs typeface="Helvetica Light Oblique" charset="0"/>
+            </a:endParaRPr>
+          </a:p>
+        </p:txBody>
+      </p:sp>
+      <p:pic>
+        <p:nvPicPr>
+          <p:cNvPr id="11" name="Picture 10"/>
+          <p:cNvPicPr>
+            <a:picLocks noChangeAspect="1"/>
+          </p:cNvPicPr>
+          <p:nvPr/>
+        </p:nvPicPr>
+        <p:blipFill>
+          <a:blip r:embed="rId3"/>
+          <a:stretch>
+            <a:fillRect/>
+          </a:stretch>
+        </p:blipFill>
+        <p:spPr>
+          <a:xfrm>
+            <a:off x="632069" y="1304789"/>
+            <a:ext cx="3775357" cy="3474595"/>
+          </a:xfrm>
+          <a:prstGeom prst="rect">
+            <a:avLst/>
+          </a:prstGeom>
+        </p:spPr>
+      </p:pic>
+      <p:pic>
+        <p:nvPicPr>
+          <p:cNvPr id="12" name="Picture 11"/>
+          <p:cNvPicPr>
+            <a:picLocks noChangeAspect="1"/>
+          </p:cNvPicPr>
+          <p:nvPr/>
+        </p:nvPicPr>
+        <p:blipFill>
+          <a:blip r:embed="rId4"/>
+          <a:stretch>
+            <a:fillRect/>
+          </a:stretch>
+        </p:blipFill>
+        <p:spPr>
+          <a:xfrm>
+            <a:off x="5252773" y="1379719"/>
+            <a:ext cx="1450610" cy="1354110"/>
+          </a:xfrm>
+          <a:prstGeom prst="rect">
+            <a:avLst/>
+          </a:prstGeom>
+        </p:spPr>
+      </p:pic>
+    </p:spTree>
+    <p:extLst>
+      <p:ext uri="{BB962C8B-B14F-4D97-AF65-F5344CB8AC3E}">
+        <p14:creationId xmlns:p14="http://schemas.microsoft.com/office/powerpoint/2010/main" val="1752996156"/>
+      </p:ext>
+    </p:extLst>
+  </p:cSld>
+  <p:clrMapOvr>
+    <a:masterClrMapping/>
+  </p:clrMapOvr>
 </p:sld>
 </file>
 

--- a/documentation.pptx
+++ b/documentation.pptx
@@ -4,6 +4,9 @@
   <p:sldMasterIdLst>
     <p:sldMasterId id="2147483648" r:id="rId1"/>
   </p:sldMasterIdLst>
+  <p:notesMasterIdLst>
+    <p:notesMasterId r:id="rId13"/>
+  </p:notesMasterIdLst>
   <p:sldIdLst>
     <p:sldId id="257" r:id="rId2"/>
     <p:sldId id="258" r:id="rId3"/>
@@ -15,6 +18,7 @@
     <p:sldId id="264" r:id="rId9"/>
     <p:sldId id="265" r:id="rId10"/>
     <p:sldId id="266" r:id="rId11"/>
+    <p:sldId id="267" r:id="rId12"/>
   </p:sldIdLst>
   <p:sldSz cx="12192000" cy="6858000"/>
   <p:notesSz cx="6858000" cy="9144000"/>
@@ -119,6 +123,440 @@
     </p:ext>
   </p:extLst>
 </p:presentation>
+</file>
+
+<file path=ppt/notesMasters/notesMaster1.xml><?xml version="1.0" encoding="utf-8"?>
+<p:notesMaster xmlns:a="http://schemas.openxmlformats.org/drawingml/2006/main" xmlns:r="http://schemas.openxmlformats.org/officeDocument/2006/relationships" xmlns:p="http://schemas.openxmlformats.org/presentationml/2006/main">
+  <p:cSld>
+    <p:bg>
+      <p:bgRef idx="1001">
+        <a:schemeClr val="bg1"/>
+      </p:bgRef>
+    </p:bg>
+    <p:spTree>
+      <p:nvGrpSpPr>
+        <p:cNvPr id="1" name=""/>
+        <p:cNvGrpSpPr/>
+        <p:nvPr/>
+      </p:nvGrpSpPr>
+      <p:grpSpPr>
+        <a:xfrm>
+          <a:off x="0" y="0"/>
+          <a:ext cx="0" cy="0"/>
+          <a:chOff x="0" y="0"/>
+          <a:chExt cx="0" cy="0"/>
+        </a:xfrm>
+      </p:grpSpPr>
+      <p:sp>
+        <p:nvSpPr>
+          <p:cNvPr id="2" name="Header Placeholder 1"/>
+          <p:cNvSpPr>
+            <a:spLocks noGrp="1"/>
+          </p:cNvSpPr>
+          <p:nvPr>
+            <p:ph type="hdr" sz="quarter"/>
+          </p:nvPr>
+        </p:nvSpPr>
+        <p:spPr>
+          <a:xfrm>
+            <a:off x="0" y="0"/>
+            <a:ext cx="2971800" cy="458788"/>
+          </a:xfrm>
+          <a:prstGeom prst="rect">
+            <a:avLst/>
+          </a:prstGeom>
+        </p:spPr>
+        <p:txBody>
+          <a:bodyPr vert="horz" lIns="91440" tIns="45720" rIns="91440" bIns="45720" rtlCol="0"/>
+          <a:lstStyle>
+            <a:lvl1pPr algn="l">
+              <a:defRPr sz="1200"/>
+            </a:lvl1pPr>
+          </a:lstStyle>
+          <a:p>
+            <a:endParaRPr lang="en-US"/>
+          </a:p>
+        </p:txBody>
+      </p:sp>
+      <p:sp>
+        <p:nvSpPr>
+          <p:cNvPr id="3" name="Date Placeholder 2"/>
+          <p:cNvSpPr>
+            <a:spLocks noGrp="1"/>
+          </p:cNvSpPr>
+          <p:nvPr>
+            <p:ph type="dt" idx="1"/>
+          </p:nvPr>
+        </p:nvSpPr>
+        <p:spPr>
+          <a:xfrm>
+            <a:off x="3884613" y="0"/>
+            <a:ext cx="2971800" cy="458788"/>
+          </a:xfrm>
+          <a:prstGeom prst="rect">
+            <a:avLst/>
+          </a:prstGeom>
+        </p:spPr>
+        <p:txBody>
+          <a:bodyPr vert="horz" lIns="91440" tIns="45720" rIns="91440" bIns="45720" rtlCol="0"/>
+          <a:lstStyle>
+            <a:lvl1pPr algn="r">
+              <a:defRPr sz="1200"/>
+            </a:lvl1pPr>
+          </a:lstStyle>
+          <a:p>
+            <a:fld id="{880CDB66-4066-D444-BDA9-0033D1F9DF3B}" type="datetimeFigureOut">
+              <a:rPr lang="en-US" smtClean="0"/>
+              <a:t>6/22/18</a:t>
+            </a:fld>
+            <a:endParaRPr lang="en-US"/>
+          </a:p>
+        </p:txBody>
+      </p:sp>
+      <p:sp>
+        <p:nvSpPr>
+          <p:cNvPr id="4" name="Slide Image Placeholder 3"/>
+          <p:cNvSpPr>
+            <a:spLocks noGrp="1" noRot="1" noChangeAspect="1"/>
+          </p:cNvSpPr>
+          <p:nvPr>
+            <p:ph type="sldImg" idx="2"/>
+          </p:nvPr>
+        </p:nvSpPr>
+        <p:spPr>
+          <a:xfrm>
+            <a:off x="685800" y="1143000"/>
+            <a:ext cx="5486400" cy="3086100"/>
+          </a:xfrm>
+          <a:prstGeom prst="rect">
+            <a:avLst/>
+          </a:prstGeom>
+          <a:noFill/>
+          <a:ln w="12700">
+            <a:solidFill>
+              <a:prstClr val="black"/>
+            </a:solidFill>
+          </a:ln>
+        </p:spPr>
+        <p:txBody>
+          <a:bodyPr vert="horz" lIns="91440" tIns="45720" rIns="91440" bIns="45720" rtlCol="0" anchor="ctr"/>
+          <a:lstStyle/>
+          <a:p>
+            <a:endParaRPr lang="en-US"/>
+          </a:p>
+        </p:txBody>
+      </p:sp>
+      <p:sp>
+        <p:nvSpPr>
+          <p:cNvPr id="5" name="Notes Placeholder 4"/>
+          <p:cNvSpPr>
+            <a:spLocks noGrp="1"/>
+          </p:cNvSpPr>
+          <p:nvPr>
+            <p:ph type="body" sz="quarter" idx="3"/>
+          </p:nvPr>
+        </p:nvSpPr>
+        <p:spPr>
+          <a:xfrm>
+            <a:off x="685800" y="4400550"/>
+            <a:ext cx="5486400" cy="3600450"/>
+          </a:xfrm>
+          <a:prstGeom prst="rect">
+            <a:avLst/>
+          </a:prstGeom>
+        </p:spPr>
+        <p:txBody>
+          <a:bodyPr vert="horz" lIns="91440" tIns="45720" rIns="91440" bIns="45720" rtlCol="0"/>
+          <a:lstStyle/>
+          <a:p>
+            <a:pPr lvl="0"/>
+            <a:r>
+              <a:rPr lang="en-US" smtClean="0"/>
+              <a:t>Click to edit Master text styles</a:t>
+            </a:r>
+          </a:p>
+          <a:p>
+            <a:pPr lvl="1"/>
+            <a:r>
+              <a:rPr lang="en-US" smtClean="0"/>
+              <a:t>Second level</a:t>
+            </a:r>
+          </a:p>
+          <a:p>
+            <a:pPr lvl="2"/>
+            <a:r>
+              <a:rPr lang="en-US" smtClean="0"/>
+              <a:t>Third level</a:t>
+            </a:r>
+          </a:p>
+          <a:p>
+            <a:pPr lvl="3"/>
+            <a:r>
+              <a:rPr lang="en-US" smtClean="0"/>
+              <a:t>Fourth level</a:t>
+            </a:r>
+          </a:p>
+          <a:p>
+            <a:pPr lvl="4"/>
+            <a:r>
+              <a:rPr lang="en-US" smtClean="0"/>
+              <a:t>Fifth level</a:t>
+            </a:r>
+            <a:endParaRPr lang="en-US"/>
+          </a:p>
+        </p:txBody>
+      </p:sp>
+      <p:sp>
+        <p:nvSpPr>
+          <p:cNvPr id="6" name="Footer Placeholder 5"/>
+          <p:cNvSpPr>
+            <a:spLocks noGrp="1"/>
+          </p:cNvSpPr>
+          <p:nvPr>
+            <p:ph type="ftr" sz="quarter" idx="4"/>
+          </p:nvPr>
+        </p:nvSpPr>
+        <p:spPr>
+          <a:xfrm>
+            <a:off x="0" y="8685213"/>
+            <a:ext cx="2971800" cy="458787"/>
+          </a:xfrm>
+          <a:prstGeom prst="rect">
+            <a:avLst/>
+          </a:prstGeom>
+        </p:spPr>
+        <p:txBody>
+          <a:bodyPr vert="horz" lIns="91440" tIns="45720" rIns="91440" bIns="45720" rtlCol="0" anchor="b"/>
+          <a:lstStyle>
+            <a:lvl1pPr algn="l">
+              <a:defRPr sz="1200"/>
+            </a:lvl1pPr>
+          </a:lstStyle>
+          <a:p>
+            <a:endParaRPr lang="en-US"/>
+          </a:p>
+        </p:txBody>
+      </p:sp>
+      <p:sp>
+        <p:nvSpPr>
+          <p:cNvPr id="7" name="Slide Number Placeholder 6"/>
+          <p:cNvSpPr>
+            <a:spLocks noGrp="1"/>
+          </p:cNvSpPr>
+          <p:nvPr>
+            <p:ph type="sldNum" sz="quarter" idx="5"/>
+          </p:nvPr>
+        </p:nvSpPr>
+        <p:spPr>
+          <a:xfrm>
+            <a:off x="3884613" y="8685213"/>
+            <a:ext cx="2971800" cy="458787"/>
+          </a:xfrm>
+          <a:prstGeom prst="rect">
+            <a:avLst/>
+          </a:prstGeom>
+        </p:spPr>
+        <p:txBody>
+          <a:bodyPr vert="horz" lIns="91440" tIns="45720" rIns="91440" bIns="45720" rtlCol="0" anchor="b"/>
+          <a:lstStyle>
+            <a:lvl1pPr algn="r">
+              <a:defRPr sz="1200"/>
+            </a:lvl1pPr>
+          </a:lstStyle>
+          <a:p>
+            <a:fld id="{8C04A21F-9DB5-AF49-B28A-3688CE532945}" type="slidenum">
+              <a:rPr lang="en-US" smtClean="0"/>
+              <a:t>‹#›</a:t>
+            </a:fld>
+            <a:endParaRPr lang="en-US"/>
+          </a:p>
+        </p:txBody>
+      </p:sp>
+    </p:spTree>
+    <p:extLst>
+      <p:ext uri="{BB962C8B-B14F-4D97-AF65-F5344CB8AC3E}">
+        <p14:creationId xmlns:p14="http://schemas.microsoft.com/office/powerpoint/2010/main" val="2115188391"/>
+      </p:ext>
+    </p:extLst>
+  </p:cSld>
+  <p:clrMap bg1="lt1" tx1="dk1" bg2="lt2" tx2="dk2" accent1="accent1" accent2="accent2" accent3="accent3" accent4="accent4" accent5="accent5" accent6="accent6" hlink="hlink" folHlink="folHlink"/>
+  <p:notesStyle>
+    <a:lvl1pPr marL="0" algn="l" defTabSz="914400" rtl="0" eaLnBrk="1" latinLnBrk="0" hangingPunct="1">
+      <a:defRPr sz="1200" kern="1200">
+        <a:solidFill>
+          <a:schemeClr val="tx1"/>
+        </a:solidFill>
+        <a:latin typeface="+mn-lt"/>
+        <a:ea typeface="+mn-ea"/>
+        <a:cs typeface="+mn-cs"/>
+      </a:defRPr>
+    </a:lvl1pPr>
+    <a:lvl2pPr marL="457200" algn="l" defTabSz="914400" rtl="0" eaLnBrk="1" latinLnBrk="0" hangingPunct="1">
+      <a:defRPr sz="1200" kern="1200">
+        <a:solidFill>
+          <a:schemeClr val="tx1"/>
+        </a:solidFill>
+        <a:latin typeface="+mn-lt"/>
+        <a:ea typeface="+mn-ea"/>
+        <a:cs typeface="+mn-cs"/>
+      </a:defRPr>
+    </a:lvl2pPr>
+    <a:lvl3pPr marL="914400" algn="l" defTabSz="914400" rtl="0" eaLnBrk="1" latinLnBrk="0" hangingPunct="1">
+      <a:defRPr sz="1200" kern="1200">
+        <a:solidFill>
+          <a:schemeClr val="tx1"/>
+        </a:solidFill>
+        <a:latin typeface="+mn-lt"/>
+        <a:ea typeface="+mn-ea"/>
+        <a:cs typeface="+mn-cs"/>
+      </a:defRPr>
+    </a:lvl3pPr>
+    <a:lvl4pPr marL="1371600" algn="l" defTabSz="914400" rtl="0" eaLnBrk="1" latinLnBrk="0" hangingPunct="1">
+      <a:defRPr sz="1200" kern="1200">
+        <a:solidFill>
+          <a:schemeClr val="tx1"/>
+        </a:solidFill>
+        <a:latin typeface="+mn-lt"/>
+        <a:ea typeface="+mn-ea"/>
+        <a:cs typeface="+mn-cs"/>
+      </a:defRPr>
+    </a:lvl4pPr>
+    <a:lvl5pPr marL="1828800" algn="l" defTabSz="914400" rtl="0" eaLnBrk="1" latinLnBrk="0" hangingPunct="1">
+      <a:defRPr sz="1200" kern="1200">
+        <a:solidFill>
+          <a:schemeClr val="tx1"/>
+        </a:solidFill>
+        <a:latin typeface="+mn-lt"/>
+        <a:ea typeface="+mn-ea"/>
+        <a:cs typeface="+mn-cs"/>
+      </a:defRPr>
+    </a:lvl5pPr>
+    <a:lvl6pPr marL="2286000" algn="l" defTabSz="914400" rtl="0" eaLnBrk="1" latinLnBrk="0" hangingPunct="1">
+      <a:defRPr sz="1200" kern="1200">
+        <a:solidFill>
+          <a:schemeClr val="tx1"/>
+        </a:solidFill>
+        <a:latin typeface="+mn-lt"/>
+        <a:ea typeface="+mn-ea"/>
+        <a:cs typeface="+mn-cs"/>
+      </a:defRPr>
+    </a:lvl6pPr>
+    <a:lvl7pPr marL="2743200" algn="l" defTabSz="914400" rtl="0" eaLnBrk="1" latinLnBrk="0" hangingPunct="1">
+      <a:defRPr sz="1200" kern="1200">
+        <a:solidFill>
+          <a:schemeClr val="tx1"/>
+        </a:solidFill>
+        <a:latin typeface="+mn-lt"/>
+        <a:ea typeface="+mn-ea"/>
+        <a:cs typeface="+mn-cs"/>
+      </a:defRPr>
+    </a:lvl7pPr>
+    <a:lvl8pPr marL="3200400" algn="l" defTabSz="914400" rtl="0" eaLnBrk="1" latinLnBrk="0" hangingPunct="1">
+      <a:defRPr sz="1200" kern="1200">
+        <a:solidFill>
+          <a:schemeClr val="tx1"/>
+        </a:solidFill>
+        <a:latin typeface="+mn-lt"/>
+        <a:ea typeface="+mn-ea"/>
+        <a:cs typeface="+mn-cs"/>
+      </a:defRPr>
+    </a:lvl8pPr>
+    <a:lvl9pPr marL="3657600" algn="l" defTabSz="914400" rtl="0" eaLnBrk="1" latinLnBrk="0" hangingPunct="1">
+      <a:defRPr sz="1200" kern="1200">
+        <a:solidFill>
+          <a:schemeClr val="tx1"/>
+        </a:solidFill>
+        <a:latin typeface="+mn-lt"/>
+        <a:ea typeface="+mn-ea"/>
+        <a:cs typeface="+mn-cs"/>
+      </a:defRPr>
+    </a:lvl9pPr>
+  </p:notesStyle>
+</p:notesMaster>
+</file>
+
+<file path=ppt/notesSlides/notesSlide1.xml><?xml version="1.0" encoding="utf-8"?>
+<p:notes xmlns:a="http://schemas.openxmlformats.org/drawingml/2006/main" xmlns:r="http://schemas.openxmlformats.org/officeDocument/2006/relationships" xmlns:p="http://schemas.openxmlformats.org/presentationml/2006/main">
+  <p:cSld>
+    <p:spTree>
+      <p:nvGrpSpPr>
+        <p:cNvPr id="1" name=""/>
+        <p:cNvGrpSpPr/>
+        <p:nvPr/>
+      </p:nvGrpSpPr>
+      <p:grpSpPr>
+        <a:xfrm>
+          <a:off x="0" y="0"/>
+          <a:ext cx="0" cy="0"/>
+          <a:chOff x="0" y="0"/>
+          <a:chExt cx="0" cy="0"/>
+        </a:xfrm>
+      </p:grpSpPr>
+      <p:sp>
+        <p:nvSpPr>
+          <p:cNvPr id="2" name="Slide Image Placeholder 1"/>
+          <p:cNvSpPr>
+            <a:spLocks noGrp="1" noRot="1" noChangeAspect="1"/>
+          </p:cNvSpPr>
+          <p:nvPr>
+            <p:ph type="sldImg"/>
+          </p:nvPr>
+        </p:nvSpPr>
+        <p:spPr/>
+      </p:sp>
+      <p:sp>
+        <p:nvSpPr>
+          <p:cNvPr id="3" name="Notes Placeholder 2"/>
+          <p:cNvSpPr>
+            <a:spLocks noGrp="1"/>
+          </p:cNvSpPr>
+          <p:nvPr>
+            <p:ph type="body" idx="1"/>
+          </p:nvPr>
+        </p:nvSpPr>
+        <p:spPr/>
+        <p:txBody>
+          <a:bodyPr/>
+          <a:lstStyle/>
+          <a:p>
+            <a:endParaRPr lang="en-US" dirty="0"/>
+          </a:p>
+        </p:txBody>
+      </p:sp>
+      <p:sp>
+        <p:nvSpPr>
+          <p:cNvPr id="4" name="Slide Number Placeholder 3"/>
+          <p:cNvSpPr>
+            <a:spLocks noGrp="1"/>
+          </p:cNvSpPr>
+          <p:nvPr>
+            <p:ph type="sldNum" sz="quarter" idx="10"/>
+          </p:nvPr>
+        </p:nvSpPr>
+        <p:spPr/>
+        <p:txBody>
+          <a:bodyPr/>
+          <a:lstStyle/>
+          <a:p>
+            <a:fld id="{8C04A21F-9DB5-AF49-B28A-3688CE532945}" type="slidenum">
+              <a:rPr lang="en-US" smtClean="0"/>
+              <a:t>10</a:t>
+            </a:fld>
+            <a:endParaRPr lang="en-US"/>
+          </a:p>
+        </p:txBody>
+      </p:sp>
+    </p:spTree>
+    <p:extLst>
+      <p:ext uri="{BB962C8B-B14F-4D97-AF65-F5344CB8AC3E}">
+        <p14:creationId xmlns:p14="http://schemas.microsoft.com/office/powerpoint/2010/main" val="526995099"/>
+      </p:ext>
+    </p:extLst>
+  </p:cSld>
+  <p:clrMapOvr>
+    <a:masterClrMapping/>
+  </p:clrMapOvr>
+</p:notes>
 </file>
 
 <file path=ppt/slideLayouts/slideLayout1.xml><?xml version="1.0" encoding="utf-8"?>
@@ -3141,7 +3579,7 @@
           <p:nvPr/>
         </p:nvPicPr>
         <p:blipFill>
-          <a:blip r:embed="rId2">
+          <a:blip r:embed="rId3">
             <a:extLst>
               <a:ext uri="{28A0092B-C50C-407E-A947-70E740481C1C}">
                 <a14:useLocalDpi xmlns:a14="http://schemas.microsoft.com/office/drawing/2010/main" val="0"/>
@@ -3282,6 +3720,200 @@
     <p:extLst>
       <p:ext uri="{BB962C8B-B14F-4D97-AF65-F5344CB8AC3E}">
         <p14:creationId xmlns:p14="http://schemas.microsoft.com/office/powerpoint/2010/main" val="1278240699"/>
+      </p:ext>
+    </p:extLst>
+  </p:cSld>
+  <p:clrMapOvr>
+    <a:masterClrMapping/>
+  </p:clrMapOvr>
+</p:sld>
+</file>
+
+<file path=ppt/slides/slide11.xml><?xml version="1.0" encoding="utf-8"?>
+<p:sld xmlns:a="http://schemas.openxmlformats.org/drawingml/2006/main" xmlns:r="http://schemas.openxmlformats.org/officeDocument/2006/relationships" xmlns:p="http://schemas.openxmlformats.org/presentationml/2006/main">
+  <p:cSld>
+    <p:spTree>
+      <p:nvGrpSpPr>
+        <p:cNvPr id="1" name=""/>
+        <p:cNvGrpSpPr/>
+        <p:nvPr/>
+      </p:nvGrpSpPr>
+      <p:grpSpPr>
+        <a:xfrm>
+          <a:off x="0" y="0"/>
+          <a:ext cx="0" cy="0"/>
+          <a:chOff x="0" y="0"/>
+          <a:chExt cx="0" cy="0"/>
+        </a:xfrm>
+      </p:grpSpPr>
+      <p:sp>
+        <p:nvSpPr>
+          <p:cNvPr id="3" name="Rectangle 2"/>
+          <p:cNvSpPr/>
+          <p:nvPr/>
+        </p:nvSpPr>
+        <p:spPr>
+          <a:xfrm>
+            <a:off x="0" y="-1"/>
+            <a:ext cx="12192000" cy="641445"/>
+          </a:xfrm>
+          <a:prstGeom prst="rect">
+            <a:avLst/>
+          </a:prstGeom>
+          <a:solidFill>
+            <a:srgbClr val="FFC000"/>
+          </a:solidFill>
+          <a:ln>
+            <a:noFill/>
+          </a:ln>
+        </p:spPr>
+        <p:style>
+          <a:lnRef idx="2">
+            <a:schemeClr val="accent1">
+              <a:shade val="50000"/>
+            </a:schemeClr>
+          </a:lnRef>
+          <a:fillRef idx="1">
+            <a:schemeClr val="accent1"/>
+          </a:fillRef>
+          <a:effectRef idx="0">
+            <a:schemeClr val="accent1"/>
+          </a:effectRef>
+          <a:fontRef idx="minor">
+            <a:schemeClr val="lt1"/>
+          </a:fontRef>
+        </p:style>
+        <p:txBody>
+          <a:bodyPr rtlCol="0" anchor="ctr"/>
+          <a:lstStyle/>
+          <a:p>
+            <a:pPr algn="ctr"/>
+            <a:endParaRPr lang="en-US"/>
+          </a:p>
+        </p:txBody>
+      </p:sp>
+      <p:sp>
+        <p:nvSpPr>
+          <p:cNvPr id="4" name="TextBox 3"/>
+          <p:cNvSpPr txBox="1"/>
+          <p:nvPr/>
+        </p:nvSpPr>
+        <p:spPr>
+          <a:xfrm>
+            <a:off x="109183" y="81463"/>
+            <a:ext cx="8817863" cy="461665"/>
+          </a:xfrm>
+          <a:prstGeom prst="rect">
+            <a:avLst/>
+          </a:prstGeom>
+          <a:noFill/>
+        </p:spPr>
+        <p:txBody>
+          <a:bodyPr wrap="none" rtlCol="0">
+            <a:spAutoFit/>
+          </a:bodyPr>
+          <a:lstStyle/>
+          <a:p>
+            <a:r>
+              <a:rPr lang="en-US" sz="2400" dirty="0" smtClean="0">
+                <a:latin typeface="Helvetica" charset="0"/>
+                <a:ea typeface="Helvetica" charset="0"/>
+                <a:cs typeface="Helvetica" charset="0"/>
+              </a:rPr>
+              <a:t>Centrality-Dependent v</a:t>
+            </a:r>
+            <a:r>
+              <a:rPr lang="en-US" sz="2400" baseline="-25000" dirty="0" smtClean="0">
+                <a:latin typeface="Helvetica" charset="0"/>
+                <a:ea typeface="Helvetica" charset="0"/>
+                <a:cs typeface="Helvetica" charset="0"/>
+              </a:rPr>
+              <a:t>2</a:t>
+            </a:r>
+            <a:r>
+              <a:rPr lang="en-US" sz="2400" dirty="0" smtClean="0">
+                <a:latin typeface="Helvetica" charset="0"/>
+                <a:ea typeface="Helvetica" charset="0"/>
+                <a:cs typeface="Helvetica" charset="0"/>
+              </a:rPr>
+              <a:t> for Identified Pions in </a:t>
+            </a:r>
+            <a:r>
+              <a:rPr lang="en-US" sz="2400" dirty="0" err="1" smtClean="0">
+                <a:latin typeface="Helvetica" charset="0"/>
+                <a:ea typeface="Helvetica" charset="0"/>
+                <a:cs typeface="Helvetica" charset="0"/>
+              </a:rPr>
+              <a:t>Au+Au</a:t>
+            </a:r>
+            <a:r>
+              <a:rPr lang="en-US" sz="2400" dirty="0" smtClean="0">
+                <a:latin typeface="Helvetica" charset="0"/>
+                <a:ea typeface="Helvetica" charset="0"/>
+                <a:cs typeface="Helvetica" charset="0"/>
+              </a:rPr>
+              <a:t> Collisions</a:t>
+            </a:r>
+            <a:endParaRPr lang="en-US" sz="2400" dirty="0">
+              <a:latin typeface="Helvetica" charset="0"/>
+              <a:ea typeface="Helvetica" charset="0"/>
+              <a:cs typeface="Helvetica" charset="0"/>
+            </a:endParaRPr>
+          </a:p>
+        </p:txBody>
+      </p:sp>
+      <p:pic>
+        <p:nvPicPr>
+          <p:cNvPr id="5" name="Picture 4"/>
+          <p:cNvPicPr>
+            <a:picLocks noChangeAspect="1"/>
+          </p:cNvPicPr>
+          <p:nvPr/>
+        </p:nvPicPr>
+        <p:blipFill>
+          <a:blip r:embed="rId2"/>
+          <a:stretch>
+            <a:fillRect/>
+          </a:stretch>
+        </p:blipFill>
+        <p:spPr>
+          <a:xfrm>
+            <a:off x="6433877" y="1325563"/>
+            <a:ext cx="4986338" cy="4734775"/>
+          </a:xfrm>
+          <a:prstGeom prst="rect">
+            <a:avLst/>
+          </a:prstGeom>
+        </p:spPr>
+      </p:pic>
+      <p:pic>
+        <p:nvPicPr>
+          <p:cNvPr id="7" name="Picture 6"/>
+          <p:cNvPicPr>
+            <a:picLocks noChangeAspect="1"/>
+          </p:cNvPicPr>
+          <p:nvPr/>
+        </p:nvPicPr>
+        <p:blipFill>
+          <a:blip r:embed="rId3"/>
+          <a:stretch>
+            <a:fillRect/>
+          </a:stretch>
+        </p:blipFill>
+        <p:spPr>
+          <a:xfrm>
+            <a:off x="624977" y="1285923"/>
+            <a:ext cx="4889997" cy="4774415"/>
+          </a:xfrm>
+          <a:prstGeom prst="rect">
+            <a:avLst/>
+          </a:prstGeom>
+        </p:spPr>
+      </p:pic>
+    </p:spTree>
+    <p:extLst>
+      <p:ext uri="{BB962C8B-B14F-4D97-AF65-F5344CB8AC3E}">
+        <p14:creationId xmlns:p14="http://schemas.microsoft.com/office/powerpoint/2010/main" val="1998786965"/>
       </p:ext>
     </p:extLst>
   </p:cSld>
@@ -6938,4 +7570,265 @@
     </a:ext>
   </a:extLst>
 </a:theme>
+</file>
+
+<file path=ppt/theme/theme2.xml><?xml version="1.0" encoding="utf-8"?>
+<a:theme xmlns:a="http://schemas.openxmlformats.org/drawingml/2006/main" name="Office Theme">
+  <a:themeElements>
+    <a:clrScheme name="Office">
+      <a:dk1>
+        <a:sysClr val="windowText" lastClr="000000"/>
+      </a:dk1>
+      <a:lt1>
+        <a:sysClr val="window" lastClr="FFFFFF"/>
+      </a:lt1>
+      <a:dk2>
+        <a:srgbClr val="44546A"/>
+      </a:dk2>
+      <a:lt2>
+        <a:srgbClr val="E7E6E6"/>
+      </a:lt2>
+      <a:accent1>
+        <a:srgbClr val="5B9BD5"/>
+      </a:accent1>
+      <a:accent2>
+        <a:srgbClr val="ED7D31"/>
+      </a:accent2>
+      <a:accent3>
+        <a:srgbClr val="A5A5A5"/>
+      </a:accent3>
+      <a:accent4>
+        <a:srgbClr val="FFC000"/>
+      </a:accent4>
+      <a:accent5>
+        <a:srgbClr val="4472C4"/>
+      </a:accent5>
+      <a:accent6>
+        <a:srgbClr val="70AD47"/>
+      </a:accent6>
+      <a:hlink>
+        <a:srgbClr val="0563C1"/>
+      </a:hlink>
+      <a:folHlink>
+        <a:srgbClr val="954F72"/>
+      </a:folHlink>
+    </a:clrScheme>
+    <a:fontScheme name="Office">
+      <a:majorFont>
+        <a:latin typeface="Calibri Light" panose="020F0302020204030204"/>
+        <a:ea typeface=""/>
+        <a:cs typeface=""/>
+        <a:font script="Jpan" typeface="ＭＳ Ｐゴシック"/>
+        <a:font script="Hang" typeface="맑은 고딕"/>
+        <a:font script="Hans" typeface="宋体"/>
+        <a:font script="Hant" typeface="新細明體"/>
+        <a:font script="Arab" typeface="Times New Roman"/>
+        <a:font script="Hebr" typeface="Times New Roman"/>
+        <a:font script="Thai" typeface="Angsana New"/>
+        <a:font script="Ethi" typeface="Nyala"/>
+        <a:font script="Beng" typeface="Vrinda"/>
+        <a:font script="Gujr" typeface="Shruti"/>
+        <a:font script="Khmr" typeface="MoolBoran"/>
+        <a:font script="Knda" typeface="Tunga"/>
+        <a:font script="Guru" typeface="Raavi"/>
+        <a:font script="Cans" typeface="Euphemia"/>
+        <a:font script="Cher" typeface="Plantagenet Cherokee"/>
+        <a:font script="Yiii" typeface="Microsoft Yi Baiti"/>
+        <a:font script="Tibt" typeface="Microsoft Himalaya"/>
+        <a:font script="Thaa" typeface="MV Boli"/>
+        <a:font script="Deva" typeface="Mangal"/>
+        <a:font script="Telu" typeface="Gautami"/>
+        <a:font script="Taml" typeface="Latha"/>
+        <a:font script="Syrc" typeface="Estrangelo Edessa"/>
+        <a:font script="Orya" typeface="Kalinga"/>
+        <a:font script="Mlym" typeface="Kartika"/>
+        <a:font script="Laoo" typeface="DokChampa"/>
+        <a:font script="Sinh" typeface="Iskoola Pota"/>
+        <a:font script="Mong" typeface="Mongolian Baiti"/>
+        <a:font script="Viet" typeface="Times New Roman"/>
+        <a:font script="Uigh" typeface="Microsoft Uighur"/>
+        <a:font script="Geor" typeface="Sylfaen"/>
+      </a:majorFont>
+      <a:minorFont>
+        <a:latin typeface="Calibri" panose="020F0502020204030204"/>
+        <a:ea typeface=""/>
+        <a:cs typeface=""/>
+        <a:font script="Jpan" typeface="ＭＳ Ｐゴシック"/>
+        <a:font script="Hang" typeface="맑은 고딕"/>
+        <a:font script="Hans" typeface="宋体"/>
+        <a:font script="Hant" typeface="新細明體"/>
+        <a:font script="Arab" typeface="Arial"/>
+        <a:font script="Hebr" typeface="Arial"/>
+        <a:font script="Thai" typeface="Cordia New"/>
+        <a:font script="Ethi" typeface="Nyala"/>
+        <a:font script="Beng" typeface="Vrinda"/>
+        <a:font script="Gujr" typeface="Shruti"/>
+        <a:font script="Khmr" typeface="DaunPenh"/>
+        <a:font script="Knda" typeface="Tunga"/>
+        <a:font script="Guru" typeface="Raavi"/>
+        <a:font script="Cans" typeface="Euphemia"/>
+        <a:font script="Cher" typeface="Plantagenet Cherokee"/>
+        <a:font script="Yiii" typeface="Microsoft Yi Baiti"/>
+        <a:font script="Tibt" typeface="Microsoft Himalaya"/>
+        <a:font script="Thaa" typeface="MV Boli"/>
+        <a:font script="Deva" typeface="Mangal"/>
+        <a:font script="Telu" typeface="Gautami"/>
+        <a:font script="Taml" typeface="Latha"/>
+        <a:font script="Syrc" typeface="Estrangelo Edessa"/>
+        <a:font script="Orya" typeface="Kalinga"/>
+        <a:font script="Mlym" typeface="Kartika"/>
+        <a:font script="Laoo" typeface="DokChampa"/>
+        <a:font script="Sinh" typeface="Iskoola Pota"/>
+        <a:font script="Mong" typeface="Mongolian Baiti"/>
+        <a:font script="Viet" typeface="Arial"/>
+        <a:font script="Uigh" typeface="Microsoft Uighur"/>
+        <a:font script="Geor" typeface="Sylfaen"/>
+      </a:minorFont>
+    </a:fontScheme>
+    <a:fmtScheme name="Office">
+      <a:fillStyleLst>
+        <a:solidFill>
+          <a:schemeClr val="phClr"/>
+        </a:solidFill>
+        <a:gradFill rotWithShape="1">
+          <a:gsLst>
+            <a:gs pos="0">
+              <a:schemeClr val="phClr">
+                <a:lumMod val="110000"/>
+                <a:satMod val="105000"/>
+                <a:tint val="67000"/>
+              </a:schemeClr>
+            </a:gs>
+            <a:gs pos="50000">
+              <a:schemeClr val="phClr">
+                <a:lumMod val="105000"/>
+                <a:satMod val="103000"/>
+                <a:tint val="73000"/>
+              </a:schemeClr>
+            </a:gs>
+            <a:gs pos="100000">
+              <a:schemeClr val="phClr">
+                <a:lumMod val="105000"/>
+                <a:satMod val="109000"/>
+                <a:tint val="81000"/>
+              </a:schemeClr>
+            </a:gs>
+          </a:gsLst>
+          <a:lin ang="5400000" scaled="0"/>
+        </a:gradFill>
+        <a:gradFill rotWithShape="1">
+          <a:gsLst>
+            <a:gs pos="0">
+              <a:schemeClr val="phClr">
+                <a:satMod val="103000"/>
+                <a:lumMod val="102000"/>
+                <a:tint val="94000"/>
+              </a:schemeClr>
+            </a:gs>
+            <a:gs pos="50000">
+              <a:schemeClr val="phClr">
+                <a:satMod val="110000"/>
+                <a:lumMod val="100000"/>
+                <a:shade val="100000"/>
+              </a:schemeClr>
+            </a:gs>
+            <a:gs pos="100000">
+              <a:schemeClr val="phClr">
+                <a:lumMod val="99000"/>
+                <a:satMod val="120000"/>
+                <a:shade val="78000"/>
+              </a:schemeClr>
+            </a:gs>
+          </a:gsLst>
+          <a:lin ang="5400000" scaled="0"/>
+        </a:gradFill>
+      </a:fillStyleLst>
+      <a:lnStyleLst>
+        <a:ln w="6350" cap="flat" cmpd="sng" algn="ctr">
+          <a:solidFill>
+            <a:schemeClr val="phClr"/>
+          </a:solidFill>
+          <a:prstDash val="solid"/>
+          <a:miter lim="800000"/>
+        </a:ln>
+        <a:ln w="12700" cap="flat" cmpd="sng" algn="ctr">
+          <a:solidFill>
+            <a:schemeClr val="phClr"/>
+          </a:solidFill>
+          <a:prstDash val="solid"/>
+          <a:miter lim="800000"/>
+        </a:ln>
+        <a:ln w="19050" cap="flat" cmpd="sng" algn="ctr">
+          <a:solidFill>
+            <a:schemeClr val="phClr"/>
+          </a:solidFill>
+          <a:prstDash val="solid"/>
+          <a:miter lim="800000"/>
+        </a:ln>
+      </a:lnStyleLst>
+      <a:effectStyleLst>
+        <a:effectStyle>
+          <a:effectLst/>
+        </a:effectStyle>
+        <a:effectStyle>
+          <a:effectLst/>
+        </a:effectStyle>
+        <a:effectStyle>
+          <a:effectLst>
+            <a:outerShdw blurRad="57150" dist="19050" dir="5400000" algn="ctr" rotWithShape="0">
+              <a:srgbClr val="000000">
+                <a:alpha val="63000"/>
+              </a:srgbClr>
+            </a:outerShdw>
+          </a:effectLst>
+        </a:effectStyle>
+      </a:effectStyleLst>
+      <a:bgFillStyleLst>
+        <a:solidFill>
+          <a:schemeClr val="phClr"/>
+        </a:solidFill>
+        <a:solidFill>
+          <a:schemeClr val="phClr">
+            <a:tint val="95000"/>
+            <a:satMod val="170000"/>
+          </a:schemeClr>
+        </a:solidFill>
+        <a:gradFill rotWithShape="1">
+          <a:gsLst>
+            <a:gs pos="0">
+              <a:schemeClr val="phClr">
+                <a:tint val="93000"/>
+                <a:satMod val="150000"/>
+                <a:shade val="98000"/>
+                <a:lumMod val="102000"/>
+              </a:schemeClr>
+            </a:gs>
+            <a:gs pos="50000">
+              <a:schemeClr val="phClr">
+                <a:tint val="98000"/>
+                <a:satMod val="130000"/>
+                <a:shade val="90000"/>
+                <a:lumMod val="103000"/>
+              </a:schemeClr>
+            </a:gs>
+            <a:gs pos="100000">
+              <a:schemeClr val="phClr">
+                <a:shade val="63000"/>
+                <a:satMod val="120000"/>
+              </a:schemeClr>
+            </a:gs>
+          </a:gsLst>
+          <a:lin ang="5400000" scaled="0"/>
+        </a:gradFill>
+      </a:bgFillStyleLst>
+    </a:fmtScheme>
+  </a:themeElements>
+  <a:objectDefaults/>
+  <a:extraClrSchemeLst/>
+  <a:extLst>
+    <a:ext uri="{05A4C25C-085E-4340-85A3-A5531E510DB2}">
+      <thm15:themeFamily xmlns:thm15="http://schemas.microsoft.com/office/thememl/2012/main" name="Office Theme" id="{62F939B6-93AF-4DB8-9C6B-D6C7DFDC589F}" vid="{4A3C46E8-61CC-4603-A589-7422A47A8E4A}"/>
+    </a:ext>
+  </a:extLst>
+</a:theme>
 </file>